--- a/#00 - Material de Apoio/00 - Fundamentos de C#/00 - Início/PPTs/01 - Início.pptx
+++ b/#00 - Material de Apoio/00 - Fundamentos de C#/00 - Início/PPTs/01 - Início.pptx
@@ -5,7 +5,7 @@
     <p:sldMasterId id="2147483648" r:id="rId1"/>
   </p:sldMasterIdLst>
   <p:notesMasterIdLst>
-    <p:notesMasterId r:id="rId13"/>
+    <p:notesMasterId r:id="rId18"/>
   </p:notesMasterIdLst>
   <p:sldIdLst>
     <p:sldId id="256" r:id="rId2"/>
@@ -18,7 +18,12 @@
     <p:sldId id="262" r:id="rId9"/>
     <p:sldId id="263" r:id="rId10"/>
     <p:sldId id="268" r:id="rId11"/>
-    <p:sldId id="260" r:id="rId12"/>
+    <p:sldId id="270" r:id="rId12"/>
+    <p:sldId id="271" r:id="rId13"/>
+    <p:sldId id="272" r:id="rId14"/>
+    <p:sldId id="273" r:id="rId15"/>
+    <p:sldId id="274" r:id="rId16"/>
+    <p:sldId id="260" r:id="rId17"/>
   </p:sldIdLst>
   <p:sldSz cx="18288000" cy="10287000"/>
   <p:notesSz cx="18288000" cy="10287000"/>
@@ -2174,79 +2179,6 @@
       </p:grpSpPr>
       <p:sp>
         <p:nvSpPr>
-          <p:cNvPr id="7" name="object 28"/>
-          <p:cNvSpPr txBox="1">
-            <a:spLocks/>
-          </p:cNvSpPr>
-          <p:nvPr/>
-        </p:nvSpPr>
-        <p:spPr>
-          <a:xfrm>
-            <a:off x="1219301" y="706068"/>
-            <a:ext cx="13715899" cy="943848"/>
-          </a:xfrm>
-          <a:prstGeom prst="rect">
-            <a:avLst/>
-          </a:prstGeom>
-        </p:spPr>
-        <p:txBody>
-          <a:bodyPr vert="horz" wrap="square" lIns="0" tIns="12700" rIns="0" bIns="0" rtlCol="0">
-            <a:spAutoFit/>
-          </a:bodyPr>
-          <a:lstStyle>
-            <a:lvl1pPr>
-              <a:defRPr sz="12200" b="0" i="0">
-                <a:solidFill>
-                  <a:schemeClr val="bg1"/>
-                </a:solidFill>
-                <a:latin typeface="Lucida Sans Unicode"/>
-                <a:ea typeface="+mj-ea"/>
-                <a:cs typeface="Lucida Sans Unicode"/>
-              </a:defRPr>
-            </a:lvl1pPr>
-          </a:lstStyle>
-          <a:p>
-            <a:pPr marL="12700">
-              <a:spcBef>
-                <a:spcPts val="100"/>
-              </a:spcBef>
-            </a:pPr>
-            <a:r>
-              <a:rPr lang="pt-BR" sz="6050" b="1" kern="0" spc="270" dirty="0">
-                <a:solidFill>
-                  <a:srgbClr val="69EB00"/>
-                </a:solidFill>
-                <a:latin typeface="Arial"/>
-                <a:cs typeface="Arial"/>
-              </a:rPr>
-              <a:t>C# </a:t>
-            </a:r>
-            <a:r>
-              <a:rPr lang="pt-BR" sz="6050" b="1" kern="0" spc="270" dirty="0" smtClean="0">
-                <a:solidFill>
-                  <a:srgbClr val="69EB00"/>
-                </a:solidFill>
-                <a:latin typeface="Arial"/>
-                <a:cs typeface="Arial"/>
-              </a:rPr>
-              <a:t>Fundamentals </a:t>
-            </a:r>
-            <a:r>
-              <a:rPr lang="pt-BR" sz="6050" b="1" spc="345" dirty="0" smtClean="0">
-                <a:latin typeface="Arial"/>
-                <a:cs typeface="Arial"/>
-              </a:rPr>
-              <a:t>Início</a:t>
-            </a:r>
-            <a:endParaRPr lang="pt-BR" sz="6050" kern="0" dirty="0">
-              <a:latin typeface="Arial"/>
-              <a:cs typeface="Arial"/>
-            </a:endParaRPr>
-          </a:p>
-        </p:txBody>
-      </p:sp>
-      <p:sp>
-        <p:nvSpPr>
           <p:cNvPr id="9" name="object 5"/>
           <p:cNvSpPr/>
           <p:nvPr/>
@@ -2405,6 +2337,298 @@
           <a:lstStyle/>
           <a:p>
             <a:endParaRPr/>
+          </a:p>
+        </p:txBody>
+      </p:sp>
+      <p:sp>
+        <p:nvSpPr>
+          <p:cNvPr id="5" name="object 7"/>
+          <p:cNvSpPr txBox="1">
+            <a:spLocks/>
+          </p:cNvSpPr>
+          <p:nvPr/>
+        </p:nvSpPr>
+        <p:spPr>
+          <a:xfrm>
+            <a:off x="1204060" y="2324100"/>
+            <a:ext cx="15559939" cy="5577809"/>
+          </a:xfrm>
+          <a:prstGeom prst="rect">
+            <a:avLst/>
+          </a:prstGeom>
+        </p:spPr>
+        <p:txBody>
+          <a:bodyPr vert="horz" wrap="square" lIns="0" tIns="12065" rIns="0" bIns="0" rtlCol="0">
+            <a:spAutoFit/>
+          </a:bodyPr>
+          <a:lstStyle>
+            <a:lvl1pPr>
+              <a:defRPr sz="12200" b="0" i="0">
+                <a:solidFill>
+                  <a:schemeClr val="bg1"/>
+                </a:solidFill>
+                <a:latin typeface="Lucida Sans Unicode"/>
+                <a:ea typeface="+mj-ea"/>
+                <a:cs typeface="Lucida Sans Unicode"/>
+              </a:defRPr>
+            </a:lvl1pPr>
+          </a:lstStyle>
+          <a:p>
+            <a:pPr marL="584200" indent="-571500" algn="just">
+              <a:spcBef>
+                <a:spcPts val="95"/>
+              </a:spcBef>
+              <a:buFont typeface="Wingdings" panose="05000000000000000000" pitchFamily="2" charset="2"/>
+              <a:buChar char="§"/>
+            </a:pPr>
+            <a:r>
+              <a:rPr lang="pt-BR" sz="4000" b="1" kern="0" spc="180" dirty="0" smtClean="0">
+                <a:solidFill>
+                  <a:schemeClr val="tx1"/>
+                </a:solidFill>
+                <a:latin typeface="Arial"/>
+                <a:cs typeface="Arial"/>
+              </a:rPr>
+              <a:t>Sua sintaxe </a:t>
+            </a:r>
+            <a:r>
+              <a:rPr lang="pt-BR" sz="4000" b="1" kern="0" spc="180" dirty="0">
+                <a:solidFill>
+                  <a:schemeClr val="tx1"/>
+                </a:solidFill>
+                <a:latin typeface="Arial"/>
+                <a:cs typeface="Arial"/>
+              </a:rPr>
+              <a:t>é voltada para o entendimento humano. Isso significa que esse tipo de linguagem é muito mais intuitivo, amigável e mais fácil de </a:t>
+            </a:r>
+            <a:r>
+              <a:rPr lang="pt-BR" sz="4000" b="1" kern="0" spc="180" dirty="0" smtClean="0">
+                <a:solidFill>
+                  <a:schemeClr val="tx1"/>
+                </a:solidFill>
+                <a:latin typeface="Arial"/>
+                <a:cs typeface="Arial"/>
+              </a:rPr>
+              <a:t>aprender.</a:t>
+            </a:r>
+            <a:endParaRPr lang="pt-BR" sz="4000" b="1" kern="0" spc="180" dirty="0">
+              <a:solidFill>
+                <a:schemeClr val="tx1"/>
+              </a:solidFill>
+              <a:latin typeface="Arial"/>
+              <a:cs typeface="Arial"/>
+            </a:endParaRPr>
+          </a:p>
+          <a:p>
+            <a:pPr marL="584200" indent="-571500" algn="just">
+              <a:spcBef>
+                <a:spcPts val="95"/>
+              </a:spcBef>
+              <a:buFont typeface="Wingdings" panose="05000000000000000000" pitchFamily="2" charset="2"/>
+              <a:buChar char="§"/>
+            </a:pPr>
+            <a:r>
+              <a:rPr lang="pt-BR" sz="4000" b="1" kern="0" spc="180" dirty="0" smtClean="0">
+                <a:solidFill>
+                  <a:schemeClr val="tx1"/>
+                </a:solidFill>
+                <a:latin typeface="Arial"/>
+                <a:cs typeface="Arial"/>
+              </a:rPr>
+              <a:t>Elas abstraem </a:t>
+            </a:r>
+            <a:r>
+              <a:rPr lang="pt-BR" sz="4000" b="1" kern="0" spc="180" dirty="0">
+                <a:solidFill>
+                  <a:schemeClr val="tx1"/>
+                </a:solidFill>
+                <a:latin typeface="Arial"/>
+                <a:cs typeface="Arial"/>
+              </a:rPr>
+              <a:t>conceitos voltados para a máquina e sintetizam comandos. Por exemplo: “</a:t>
+            </a:r>
+            <a:r>
+              <a:rPr lang="pt-BR" sz="4000" b="1" kern="0" spc="180" dirty="0" err="1">
+                <a:solidFill>
+                  <a:schemeClr val="tx1"/>
+                </a:solidFill>
+                <a:latin typeface="Arial"/>
+                <a:cs typeface="Arial"/>
+              </a:rPr>
+              <a:t>print</a:t>
+            </a:r>
+            <a:r>
+              <a:rPr lang="pt-BR" sz="4000" b="1" kern="0" spc="180" dirty="0">
+                <a:solidFill>
+                  <a:schemeClr val="tx1"/>
+                </a:solidFill>
+                <a:latin typeface="Arial"/>
+                <a:cs typeface="Arial"/>
+              </a:rPr>
+              <a:t>” e “delete” são instruções comuns nessas linguagens que, como os termos sugerem, servem para mostrar uma informação na tela ou deletar algum dado, respectivamente</a:t>
+            </a:r>
+            <a:r>
+              <a:rPr lang="pt-BR" sz="4000" b="1" kern="0" spc="180" dirty="0" smtClean="0">
+                <a:solidFill>
+                  <a:schemeClr val="tx1"/>
+                </a:solidFill>
+                <a:latin typeface="Arial"/>
+                <a:cs typeface="Arial"/>
+              </a:rPr>
+              <a:t>.</a:t>
+            </a:r>
+          </a:p>
+          <a:p>
+            <a:pPr marL="584200" indent="-571500" algn="just">
+              <a:spcBef>
+                <a:spcPts val="95"/>
+              </a:spcBef>
+              <a:buFont typeface="Wingdings" panose="05000000000000000000" pitchFamily="2" charset="2"/>
+              <a:buChar char="§"/>
+            </a:pPr>
+            <a:r>
+              <a:rPr lang="pt-BR" sz="4000" b="1" kern="0" spc="180" dirty="0" smtClean="0">
+                <a:solidFill>
+                  <a:schemeClr val="tx1"/>
+                </a:solidFill>
+                <a:latin typeface="Arial"/>
+                <a:cs typeface="Arial"/>
+              </a:rPr>
+              <a:t>Exemplo: </a:t>
+            </a:r>
+            <a:r>
+              <a:rPr lang="pt-BR" sz="4000" b="1" kern="0" spc="180" dirty="0" err="1" smtClean="0">
+                <a:solidFill>
+                  <a:schemeClr val="tx1"/>
+                </a:solidFill>
+                <a:latin typeface="Arial"/>
+                <a:cs typeface="Arial"/>
+              </a:rPr>
+              <a:t>JavaScript</a:t>
+            </a:r>
+            <a:r>
+              <a:rPr lang="pt-BR" sz="4000" b="1" kern="0" spc="180" dirty="0" smtClean="0">
+                <a:solidFill>
+                  <a:schemeClr val="tx1"/>
+                </a:solidFill>
+                <a:latin typeface="Arial"/>
+                <a:cs typeface="Arial"/>
+              </a:rPr>
+              <a:t>, Java, </a:t>
+            </a:r>
+            <a:r>
+              <a:rPr lang="pt-BR" sz="4000" b="1" kern="0" spc="180" dirty="0" err="1" smtClean="0">
+                <a:solidFill>
+                  <a:schemeClr val="tx1"/>
+                </a:solidFill>
+                <a:latin typeface="Arial"/>
+                <a:cs typeface="Arial"/>
+              </a:rPr>
+              <a:t>Ruby</a:t>
+            </a:r>
+            <a:r>
+              <a:rPr lang="pt-BR" sz="4000" b="1" kern="0" spc="180" dirty="0">
+                <a:solidFill>
+                  <a:schemeClr val="tx1"/>
+                </a:solidFill>
+                <a:latin typeface="Arial"/>
+                <a:cs typeface="Arial"/>
+              </a:rPr>
+              <a:t>,</a:t>
+            </a:r>
+            <a:r>
+              <a:rPr lang="pt-BR" sz="4000" b="1" kern="0" spc="180" dirty="0" smtClean="0">
+                <a:solidFill>
+                  <a:schemeClr val="tx1"/>
+                </a:solidFill>
+                <a:latin typeface="Arial"/>
+                <a:cs typeface="Arial"/>
+              </a:rPr>
+              <a:t> Python, C#; Swift, </a:t>
+            </a:r>
+            <a:r>
+              <a:rPr lang="pt-BR" sz="4000" b="1" kern="0" spc="180" dirty="0" err="1" smtClean="0">
+                <a:solidFill>
+                  <a:schemeClr val="tx1"/>
+                </a:solidFill>
+                <a:latin typeface="Arial"/>
+                <a:cs typeface="Arial"/>
+              </a:rPr>
+              <a:t>Php</a:t>
+            </a:r>
+            <a:endParaRPr lang="pt-BR" sz="4000" b="1" kern="0" spc="180" dirty="0">
+              <a:solidFill>
+                <a:schemeClr val="tx1"/>
+              </a:solidFill>
+              <a:latin typeface="Arial"/>
+              <a:cs typeface="Arial"/>
+            </a:endParaRPr>
+          </a:p>
+        </p:txBody>
+      </p:sp>
+      <p:sp>
+        <p:nvSpPr>
+          <p:cNvPr id="6" name="object 28"/>
+          <p:cNvSpPr txBox="1">
+            <a:spLocks/>
+          </p:cNvSpPr>
+          <p:nvPr/>
+        </p:nvSpPr>
+        <p:spPr>
+          <a:xfrm>
+            <a:off x="838200" y="706068"/>
+            <a:ext cx="16687799" cy="751488"/>
+          </a:xfrm>
+          <a:prstGeom prst="rect">
+            <a:avLst/>
+          </a:prstGeom>
+        </p:spPr>
+        <p:txBody>
+          <a:bodyPr vert="horz" wrap="square" lIns="0" tIns="12700" rIns="0" bIns="0" rtlCol="0">
+            <a:spAutoFit/>
+          </a:bodyPr>
+          <a:lstStyle>
+            <a:lvl1pPr>
+              <a:defRPr sz="12200" b="0" i="0">
+                <a:solidFill>
+                  <a:schemeClr val="bg1"/>
+                </a:solidFill>
+                <a:latin typeface="Lucida Sans Unicode"/>
+                <a:ea typeface="+mj-ea"/>
+                <a:cs typeface="Lucida Sans Unicode"/>
+              </a:defRPr>
+            </a:lvl1pPr>
+          </a:lstStyle>
+          <a:p>
+            <a:pPr marL="12700">
+              <a:spcBef>
+                <a:spcPts val="100"/>
+              </a:spcBef>
+            </a:pPr>
+            <a:r>
+              <a:rPr lang="pt-BR" sz="4800" b="1" kern="0" spc="270" dirty="0">
+                <a:solidFill>
+                  <a:srgbClr val="69EB00"/>
+                </a:solidFill>
+                <a:latin typeface="Arial"/>
+                <a:cs typeface="Arial"/>
+              </a:rPr>
+              <a:t>Linguagem de programação de </a:t>
+            </a:r>
+            <a:r>
+              <a:rPr lang="pt-BR" sz="4800" b="1" kern="0" spc="270" dirty="0" smtClean="0">
+                <a:solidFill>
+                  <a:srgbClr val="69EB00"/>
+                </a:solidFill>
+                <a:latin typeface="Arial"/>
+                <a:cs typeface="Arial"/>
+              </a:rPr>
+              <a:t>alto nível:</a:t>
+            </a:r>
+            <a:endParaRPr lang="pt-BR" sz="4800" kern="0" dirty="0">
+              <a:latin typeface="Arial"/>
+              <a:cs typeface="Arial"/>
+            </a:endParaRPr>
           </a:p>
         </p:txBody>
       </p:sp>
@@ -2447,6 +2671,2270 @@
       </p:grpSpPr>
       <p:sp>
         <p:nvSpPr>
+          <p:cNvPr id="9" name="object 28"/>
+          <p:cNvSpPr txBox="1">
+            <a:spLocks/>
+          </p:cNvSpPr>
+          <p:nvPr/>
+        </p:nvSpPr>
+        <p:spPr>
+          <a:xfrm>
+            <a:off x="838200" y="722256"/>
+            <a:ext cx="13715899" cy="943848"/>
+          </a:xfrm>
+          <a:prstGeom prst="rect">
+            <a:avLst/>
+          </a:prstGeom>
+        </p:spPr>
+        <p:txBody>
+          <a:bodyPr vert="horz" wrap="square" lIns="0" tIns="12700" rIns="0" bIns="0" rtlCol="0">
+            <a:spAutoFit/>
+          </a:bodyPr>
+          <a:lstStyle>
+            <a:lvl1pPr>
+              <a:defRPr sz="12200" b="0" i="0">
+                <a:solidFill>
+                  <a:schemeClr val="bg1"/>
+                </a:solidFill>
+                <a:latin typeface="Lucida Sans Unicode"/>
+                <a:ea typeface="+mj-ea"/>
+                <a:cs typeface="Lucida Sans Unicode"/>
+              </a:defRPr>
+            </a:lvl1pPr>
+          </a:lstStyle>
+          <a:p>
+            <a:pPr marL="12700">
+              <a:spcBef>
+                <a:spcPts val="100"/>
+              </a:spcBef>
+            </a:pPr>
+            <a:r>
+              <a:rPr lang="pt-BR" sz="6050" b="1" kern="0" spc="270" dirty="0" smtClean="0">
+                <a:solidFill>
+                  <a:srgbClr val="69EB00"/>
+                </a:solidFill>
+                <a:latin typeface="Arial"/>
+                <a:cs typeface="Arial"/>
+              </a:rPr>
+              <a:t>Linguagem compilada:</a:t>
+            </a:r>
+            <a:endParaRPr lang="pt-BR" sz="6050" kern="0" dirty="0">
+              <a:latin typeface="Arial"/>
+              <a:cs typeface="Arial"/>
+            </a:endParaRPr>
+          </a:p>
+        </p:txBody>
+      </p:sp>
+      <p:sp>
+        <p:nvSpPr>
+          <p:cNvPr id="10" name="object 5"/>
+          <p:cNvSpPr/>
+          <p:nvPr/>
+        </p:nvSpPr>
+        <p:spPr>
+          <a:xfrm>
+            <a:off x="838200" y="1941577"/>
+            <a:ext cx="16687800" cy="6629400"/>
+          </a:xfrm>
+          <a:custGeom>
+            <a:avLst/>
+            <a:gdLst/>
+            <a:ahLst/>
+            <a:cxnLst/>
+            <a:rect l="l" t="t" r="r" b="b"/>
+            <a:pathLst>
+              <a:path w="8507094" h="2987040">
+                <a:moveTo>
+                  <a:pt x="8009128" y="0"/>
+                </a:moveTo>
+                <a:lnTo>
+                  <a:pt x="0" y="0"/>
+                </a:lnTo>
+                <a:lnTo>
+                  <a:pt x="0" y="2987040"/>
+                </a:lnTo>
+                <a:lnTo>
+                  <a:pt x="8009128" y="2987040"/>
+                </a:lnTo>
+                <a:lnTo>
+                  <a:pt x="8057074" y="2984761"/>
+                </a:lnTo>
+                <a:lnTo>
+                  <a:pt x="8103730" y="2978063"/>
+                </a:lnTo>
+                <a:lnTo>
+                  <a:pt x="8148889" y="2967155"/>
+                </a:lnTo>
+                <a:lnTo>
+                  <a:pt x="8192340" y="2952246"/>
+                </a:lnTo>
+                <a:lnTo>
+                  <a:pt x="8233876" y="2933543"/>
+                </a:lnTo>
+                <a:lnTo>
+                  <a:pt x="8273288" y="2911257"/>
+                </a:lnTo>
+                <a:lnTo>
+                  <a:pt x="8310367" y="2885594"/>
+                </a:lnTo>
+                <a:lnTo>
+                  <a:pt x="8344905" y="2856765"/>
+                </a:lnTo>
+                <a:lnTo>
+                  <a:pt x="8376693" y="2824977"/>
+                </a:lnTo>
+                <a:lnTo>
+                  <a:pt x="8405522" y="2790439"/>
+                </a:lnTo>
+                <a:lnTo>
+                  <a:pt x="8431185" y="2753360"/>
+                </a:lnTo>
+                <a:lnTo>
+                  <a:pt x="8453471" y="2713948"/>
+                </a:lnTo>
+                <a:lnTo>
+                  <a:pt x="8472174" y="2672412"/>
+                </a:lnTo>
+                <a:lnTo>
+                  <a:pt x="8487083" y="2628961"/>
+                </a:lnTo>
+                <a:lnTo>
+                  <a:pt x="8497991" y="2583802"/>
+                </a:lnTo>
+                <a:lnTo>
+                  <a:pt x="8504689" y="2537146"/>
+                </a:lnTo>
+                <a:lnTo>
+                  <a:pt x="8506968" y="2489200"/>
+                </a:lnTo>
+                <a:lnTo>
+                  <a:pt x="8506968" y="497840"/>
+                </a:lnTo>
+                <a:lnTo>
+                  <a:pt x="8504689" y="449893"/>
+                </a:lnTo>
+                <a:lnTo>
+                  <a:pt x="8497991" y="403237"/>
+                </a:lnTo>
+                <a:lnTo>
+                  <a:pt x="8487083" y="358078"/>
+                </a:lnTo>
+                <a:lnTo>
+                  <a:pt x="8472174" y="314627"/>
+                </a:lnTo>
+                <a:lnTo>
+                  <a:pt x="8453471" y="273091"/>
+                </a:lnTo>
+                <a:lnTo>
+                  <a:pt x="8431185" y="233679"/>
+                </a:lnTo>
+                <a:lnTo>
+                  <a:pt x="8405522" y="196600"/>
+                </a:lnTo>
+                <a:lnTo>
+                  <a:pt x="8376693" y="162062"/>
+                </a:lnTo>
+                <a:lnTo>
+                  <a:pt x="8344905" y="130274"/>
+                </a:lnTo>
+                <a:lnTo>
+                  <a:pt x="8310367" y="101445"/>
+                </a:lnTo>
+                <a:lnTo>
+                  <a:pt x="8273288" y="75782"/>
+                </a:lnTo>
+                <a:lnTo>
+                  <a:pt x="8233876" y="53496"/>
+                </a:lnTo>
+                <a:lnTo>
+                  <a:pt x="8192340" y="34793"/>
+                </a:lnTo>
+                <a:lnTo>
+                  <a:pt x="8148889" y="19884"/>
+                </a:lnTo>
+                <a:lnTo>
+                  <a:pt x="8103730" y="8976"/>
+                </a:lnTo>
+                <a:lnTo>
+                  <a:pt x="8057074" y="2278"/>
+                </a:lnTo>
+                <a:lnTo>
+                  <a:pt x="8009128" y="0"/>
+                </a:lnTo>
+                <a:close/>
+              </a:path>
+            </a:pathLst>
+          </a:custGeom>
+        </p:spPr>
+        <p:style>
+          <a:lnRef idx="2">
+            <a:schemeClr val="accent3"/>
+          </a:lnRef>
+          <a:fillRef idx="1">
+            <a:schemeClr val="lt1"/>
+          </a:fillRef>
+          <a:effectRef idx="0">
+            <a:schemeClr val="accent3"/>
+          </a:effectRef>
+          <a:fontRef idx="minor">
+            <a:schemeClr val="dk1"/>
+          </a:fontRef>
+        </p:style>
+        <p:txBody>
+          <a:bodyPr wrap="square" lIns="0" tIns="0" rIns="0" bIns="0" rtlCol="0"/>
+          <a:lstStyle/>
+          <a:p>
+            <a:endParaRPr/>
+          </a:p>
+        </p:txBody>
+      </p:sp>
+      <p:sp>
+        <p:nvSpPr>
+          <p:cNvPr id="7" name="object 7"/>
+          <p:cNvSpPr txBox="1">
+            <a:spLocks/>
+          </p:cNvSpPr>
+          <p:nvPr/>
+        </p:nvSpPr>
+        <p:spPr>
+          <a:xfrm>
+            <a:off x="1204060" y="2324100"/>
+            <a:ext cx="15559939" cy="4321055"/>
+          </a:xfrm>
+          <a:prstGeom prst="rect">
+            <a:avLst/>
+          </a:prstGeom>
+        </p:spPr>
+        <p:txBody>
+          <a:bodyPr vert="horz" wrap="square" lIns="0" tIns="12065" rIns="0" bIns="0" rtlCol="0">
+            <a:spAutoFit/>
+          </a:bodyPr>
+          <a:lstStyle>
+            <a:lvl1pPr>
+              <a:defRPr sz="12200" b="0" i="0">
+                <a:solidFill>
+                  <a:schemeClr val="bg1"/>
+                </a:solidFill>
+                <a:latin typeface="Lucida Sans Unicode"/>
+                <a:ea typeface="+mj-ea"/>
+                <a:cs typeface="Lucida Sans Unicode"/>
+              </a:defRPr>
+            </a:lvl1pPr>
+          </a:lstStyle>
+          <a:p>
+            <a:pPr marL="584200" indent="-571500" algn="just">
+              <a:spcBef>
+                <a:spcPts val="95"/>
+              </a:spcBef>
+              <a:buFont typeface="Wingdings" panose="05000000000000000000" pitchFamily="2" charset="2"/>
+              <a:buChar char="§"/>
+            </a:pPr>
+            <a:r>
+              <a:rPr lang="pt-BR" sz="4000" b="1" kern="0" spc="180" dirty="0">
+                <a:solidFill>
+                  <a:schemeClr val="tx1"/>
+                </a:solidFill>
+                <a:latin typeface="Arial"/>
+                <a:cs typeface="Arial"/>
+              </a:rPr>
+              <a:t>Linguagem compilada é uma linguagem de programação em que o código fonte</a:t>
+            </a:r>
+            <a:r>
+              <a:rPr lang="pt-BR" sz="4000" b="1" kern="0" spc="180" dirty="0" smtClean="0">
+                <a:solidFill>
+                  <a:schemeClr val="tx1"/>
+                </a:solidFill>
+                <a:latin typeface="Arial"/>
+                <a:cs typeface="Arial"/>
+              </a:rPr>
+              <a:t>, </a:t>
+            </a:r>
+            <a:r>
+              <a:rPr lang="pt-BR" sz="4000" b="1" kern="0" spc="180" dirty="0">
+                <a:solidFill>
+                  <a:schemeClr val="tx1"/>
+                </a:solidFill>
+                <a:latin typeface="Arial"/>
+                <a:cs typeface="Arial"/>
+              </a:rPr>
+              <a:t>é executado diretamente pelo sistema operacional ou pelo processador, após ser traduzido por meio de um processo chamado compilação, usando um programa de computador chamado compilador, para uma linguagem de baixo </a:t>
+            </a:r>
+            <a:r>
+              <a:rPr lang="pt-BR" sz="4000" b="1" kern="0" spc="180" dirty="0" smtClean="0">
+                <a:solidFill>
+                  <a:schemeClr val="tx1"/>
+                </a:solidFill>
+                <a:latin typeface="Arial"/>
+                <a:cs typeface="Arial"/>
+              </a:rPr>
+              <a:t>nível. </a:t>
+            </a:r>
+            <a:r>
+              <a:rPr lang="pt-BR" sz="4000" b="1" kern="0" spc="180" dirty="0" smtClean="0">
+                <a:solidFill>
+                  <a:schemeClr val="tx1"/>
+                </a:solidFill>
+                <a:latin typeface="Arial"/>
+                <a:cs typeface="Arial"/>
+              </a:rPr>
+              <a:t>Exemplo</a:t>
+            </a:r>
+            <a:r>
+              <a:rPr lang="pt-BR" sz="4000" b="1" kern="0" spc="180" dirty="0">
+                <a:solidFill>
+                  <a:schemeClr val="tx1"/>
+                </a:solidFill>
+                <a:latin typeface="Arial"/>
+                <a:cs typeface="Arial"/>
+              </a:rPr>
+              <a:t>: </a:t>
+            </a:r>
+            <a:r>
+              <a:rPr lang="pt-BR" sz="4000" b="1" kern="0" spc="180" dirty="0" smtClean="0">
+                <a:solidFill>
+                  <a:schemeClr val="tx1"/>
+                </a:solidFill>
+                <a:latin typeface="Arial"/>
+                <a:cs typeface="Arial"/>
+              </a:rPr>
+              <a:t>C, C++, COBOL, Visual Basic, etc...</a:t>
+            </a:r>
+            <a:endParaRPr lang="pt-BR" sz="4000" b="1" kern="0" spc="180" dirty="0">
+              <a:solidFill>
+                <a:schemeClr val="tx1"/>
+              </a:solidFill>
+              <a:latin typeface="Arial"/>
+              <a:cs typeface="Arial"/>
+            </a:endParaRPr>
+          </a:p>
+        </p:txBody>
+      </p:sp>
+      <p:pic>
+        <p:nvPicPr>
+          <p:cNvPr id="2050" name="Picture 2"/>
+          <p:cNvPicPr>
+            <a:picLocks noChangeAspect="1" noChangeArrowheads="1"/>
+          </p:cNvPicPr>
+          <p:nvPr/>
+        </p:nvPicPr>
+        <p:blipFill>
+          <a:blip r:embed="rId2">
+            <a:extLst>
+              <a:ext uri="{28A0092B-C50C-407E-A947-70E740481C1C}">
+                <a14:useLocalDpi xmlns:a14="http://schemas.microsoft.com/office/drawing/2010/main" val="0"/>
+              </a:ext>
+            </a:extLst>
+          </a:blip>
+          <a:srcRect/>
+          <a:stretch>
+            <a:fillRect/>
+          </a:stretch>
+        </p:blipFill>
+        <p:spPr bwMode="auto">
+          <a:xfrm>
+            <a:off x="4495800" y="6819900"/>
+            <a:ext cx="8516021" cy="1577582"/>
+          </a:xfrm>
+          <a:prstGeom prst="rect">
+            <a:avLst/>
+          </a:prstGeom>
+          <a:noFill/>
+          <a:ln>
+            <a:noFill/>
+          </a:ln>
+          <a:effectLst/>
+          <a:extLst>
+            <a:ext uri="{909E8E84-426E-40DD-AFC4-6F175D3DCCD1}">
+              <a14:hiddenFill xmlns:a14="http://schemas.microsoft.com/office/drawing/2010/main">
+                <a:solidFill>
+                  <a:schemeClr val="accent1"/>
+                </a:solidFill>
+              </a14:hiddenFill>
+            </a:ext>
+            <a:ext uri="{91240B29-F687-4F45-9708-019B960494DF}">
+              <a14:hiddenLine xmlns:a14="http://schemas.microsoft.com/office/drawing/2010/main" w="9525">
+                <a:solidFill>
+                  <a:schemeClr val="tx1"/>
+                </a:solidFill>
+                <a:miter lim="800000"/>
+                <a:headEnd/>
+                <a:tailEnd/>
+              </a14:hiddenLine>
+            </a:ext>
+            <a:ext uri="{AF507438-7753-43E0-B8FC-AC1667EBCBE1}">
+              <a14:hiddenEffects xmlns:a14="http://schemas.microsoft.com/office/drawing/2010/main">
+                <a:effectLst>
+                  <a:outerShdw dist="35921" dir="2700000" algn="ctr" rotWithShape="0">
+                    <a:schemeClr val="bg2"/>
+                  </a:outerShdw>
+                </a:effectLst>
+              </a14:hiddenEffects>
+            </a:ext>
+          </a:extLst>
+        </p:spPr>
+      </p:pic>
+    </p:spTree>
+    <p:extLst>
+      <p:ext uri="{BB962C8B-B14F-4D97-AF65-F5344CB8AC3E}">
+        <p14:creationId xmlns:p14="http://schemas.microsoft.com/office/powerpoint/2010/main" val="4209142883"/>
+      </p:ext>
+    </p:extLst>
+  </p:cSld>
+  <p:clrMapOvr>
+    <a:masterClrMapping/>
+  </p:clrMapOvr>
+  <p:timing>
+    <p:tnLst>
+      <p:par>
+        <p:cTn id="1" dur="indefinite" restart="never" nodeType="tmRoot"/>
+      </p:par>
+    </p:tnLst>
+  </p:timing>
+</p:sld>
+</file>
+
+<file path=ppt/slides/slide12.xml><?xml version="1.0" encoding="utf-8"?>
+<p:sld xmlns:a="http://schemas.openxmlformats.org/drawingml/2006/main" xmlns:r="http://schemas.openxmlformats.org/officeDocument/2006/relationships" xmlns:p="http://schemas.openxmlformats.org/presentationml/2006/main">
+  <p:cSld>
+    <p:spTree>
+      <p:nvGrpSpPr>
+        <p:cNvPr id="1" name=""/>
+        <p:cNvGrpSpPr/>
+        <p:nvPr/>
+      </p:nvGrpSpPr>
+      <p:grpSpPr>
+        <a:xfrm>
+          <a:off x="0" y="0"/>
+          <a:ext cx="0" cy="0"/>
+          <a:chOff x="0" y="0"/>
+          <a:chExt cx="0" cy="0"/>
+        </a:xfrm>
+      </p:grpSpPr>
+      <p:sp>
+        <p:nvSpPr>
+          <p:cNvPr id="9" name="object 28"/>
+          <p:cNvSpPr txBox="1">
+            <a:spLocks/>
+          </p:cNvSpPr>
+          <p:nvPr/>
+        </p:nvSpPr>
+        <p:spPr>
+          <a:xfrm>
+            <a:off x="838200" y="722256"/>
+            <a:ext cx="13715899" cy="943848"/>
+          </a:xfrm>
+          <a:prstGeom prst="rect">
+            <a:avLst/>
+          </a:prstGeom>
+        </p:spPr>
+        <p:txBody>
+          <a:bodyPr vert="horz" wrap="square" lIns="0" tIns="12700" rIns="0" bIns="0" rtlCol="0">
+            <a:spAutoFit/>
+          </a:bodyPr>
+          <a:lstStyle>
+            <a:lvl1pPr>
+              <a:defRPr sz="12200" b="0" i="0">
+                <a:solidFill>
+                  <a:schemeClr val="bg1"/>
+                </a:solidFill>
+                <a:latin typeface="Lucida Sans Unicode"/>
+                <a:ea typeface="+mj-ea"/>
+                <a:cs typeface="Lucida Sans Unicode"/>
+              </a:defRPr>
+            </a:lvl1pPr>
+          </a:lstStyle>
+          <a:p>
+            <a:pPr marL="12700">
+              <a:spcBef>
+                <a:spcPts val="100"/>
+              </a:spcBef>
+            </a:pPr>
+            <a:r>
+              <a:rPr lang="pt-BR" sz="6050" b="1" kern="0" spc="270" dirty="0">
+                <a:solidFill>
+                  <a:srgbClr val="69EB00"/>
+                </a:solidFill>
+                <a:latin typeface="Arial"/>
+                <a:cs typeface="Arial"/>
+              </a:rPr>
+              <a:t>Linguagem interpretada:</a:t>
+            </a:r>
+            <a:endParaRPr lang="pt-BR" sz="6050" kern="0" dirty="0">
+              <a:latin typeface="Arial"/>
+              <a:cs typeface="Arial"/>
+            </a:endParaRPr>
+          </a:p>
+        </p:txBody>
+      </p:sp>
+      <p:sp>
+        <p:nvSpPr>
+          <p:cNvPr id="10" name="object 5"/>
+          <p:cNvSpPr/>
+          <p:nvPr/>
+        </p:nvSpPr>
+        <p:spPr>
+          <a:xfrm>
+            <a:off x="838200" y="1943101"/>
+            <a:ext cx="16687800" cy="6629400"/>
+          </a:xfrm>
+          <a:custGeom>
+            <a:avLst/>
+            <a:gdLst/>
+            <a:ahLst/>
+            <a:cxnLst/>
+            <a:rect l="l" t="t" r="r" b="b"/>
+            <a:pathLst>
+              <a:path w="8507094" h="2987040">
+                <a:moveTo>
+                  <a:pt x="8009128" y="0"/>
+                </a:moveTo>
+                <a:lnTo>
+                  <a:pt x="0" y="0"/>
+                </a:lnTo>
+                <a:lnTo>
+                  <a:pt x="0" y="2987040"/>
+                </a:lnTo>
+                <a:lnTo>
+                  <a:pt x="8009128" y="2987040"/>
+                </a:lnTo>
+                <a:lnTo>
+                  <a:pt x="8057074" y="2984761"/>
+                </a:lnTo>
+                <a:lnTo>
+                  <a:pt x="8103730" y="2978063"/>
+                </a:lnTo>
+                <a:lnTo>
+                  <a:pt x="8148889" y="2967155"/>
+                </a:lnTo>
+                <a:lnTo>
+                  <a:pt x="8192340" y="2952246"/>
+                </a:lnTo>
+                <a:lnTo>
+                  <a:pt x="8233876" y="2933543"/>
+                </a:lnTo>
+                <a:lnTo>
+                  <a:pt x="8273288" y="2911257"/>
+                </a:lnTo>
+                <a:lnTo>
+                  <a:pt x="8310367" y="2885594"/>
+                </a:lnTo>
+                <a:lnTo>
+                  <a:pt x="8344905" y="2856765"/>
+                </a:lnTo>
+                <a:lnTo>
+                  <a:pt x="8376693" y="2824977"/>
+                </a:lnTo>
+                <a:lnTo>
+                  <a:pt x="8405522" y="2790439"/>
+                </a:lnTo>
+                <a:lnTo>
+                  <a:pt x="8431185" y="2753360"/>
+                </a:lnTo>
+                <a:lnTo>
+                  <a:pt x="8453471" y="2713948"/>
+                </a:lnTo>
+                <a:lnTo>
+                  <a:pt x="8472174" y="2672412"/>
+                </a:lnTo>
+                <a:lnTo>
+                  <a:pt x="8487083" y="2628961"/>
+                </a:lnTo>
+                <a:lnTo>
+                  <a:pt x="8497991" y="2583802"/>
+                </a:lnTo>
+                <a:lnTo>
+                  <a:pt x="8504689" y="2537146"/>
+                </a:lnTo>
+                <a:lnTo>
+                  <a:pt x="8506968" y="2489200"/>
+                </a:lnTo>
+                <a:lnTo>
+                  <a:pt x="8506968" y="497840"/>
+                </a:lnTo>
+                <a:lnTo>
+                  <a:pt x="8504689" y="449893"/>
+                </a:lnTo>
+                <a:lnTo>
+                  <a:pt x="8497991" y="403237"/>
+                </a:lnTo>
+                <a:lnTo>
+                  <a:pt x="8487083" y="358078"/>
+                </a:lnTo>
+                <a:lnTo>
+                  <a:pt x="8472174" y="314627"/>
+                </a:lnTo>
+                <a:lnTo>
+                  <a:pt x="8453471" y="273091"/>
+                </a:lnTo>
+                <a:lnTo>
+                  <a:pt x="8431185" y="233679"/>
+                </a:lnTo>
+                <a:lnTo>
+                  <a:pt x="8405522" y="196600"/>
+                </a:lnTo>
+                <a:lnTo>
+                  <a:pt x="8376693" y="162062"/>
+                </a:lnTo>
+                <a:lnTo>
+                  <a:pt x="8344905" y="130274"/>
+                </a:lnTo>
+                <a:lnTo>
+                  <a:pt x="8310367" y="101445"/>
+                </a:lnTo>
+                <a:lnTo>
+                  <a:pt x="8273288" y="75782"/>
+                </a:lnTo>
+                <a:lnTo>
+                  <a:pt x="8233876" y="53496"/>
+                </a:lnTo>
+                <a:lnTo>
+                  <a:pt x="8192340" y="34793"/>
+                </a:lnTo>
+                <a:lnTo>
+                  <a:pt x="8148889" y="19884"/>
+                </a:lnTo>
+                <a:lnTo>
+                  <a:pt x="8103730" y="8976"/>
+                </a:lnTo>
+                <a:lnTo>
+                  <a:pt x="8057074" y="2278"/>
+                </a:lnTo>
+                <a:lnTo>
+                  <a:pt x="8009128" y="0"/>
+                </a:lnTo>
+                <a:close/>
+              </a:path>
+            </a:pathLst>
+          </a:custGeom>
+        </p:spPr>
+        <p:style>
+          <a:lnRef idx="2">
+            <a:schemeClr val="accent3"/>
+          </a:lnRef>
+          <a:fillRef idx="1">
+            <a:schemeClr val="lt1"/>
+          </a:fillRef>
+          <a:effectRef idx="0">
+            <a:schemeClr val="accent3"/>
+          </a:effectRef>
+          <a:fontRef idx="minor">
+            <a:schemeClr val="dk1"/>
+          </a:fontRef>
+        </p:style>
+        <p:txBody>
+          <a:bodyPr wrap="square" lIns="0" tIns="0" rIns="0" bIns="0" rtlCol="0"/>
+          <a:lstStyle/>
+          <a:p>
+            <a:endParaRPr/>
+          </a:p>
+        </p:txBody>
+      </p:sp>
+      <p:sp>
+        <p:nvSpPr>
+          <p:cNvPr id="7" name="object 7"/>
+          <p:cNvSpPr txBox="1">
+            <a:spLocks/>
+          </p:cNvSpPr>
+          <p:nvPr/>
+        </p:nvSpPr>
+        <p:spPr>
+          <a:xfrm>
+            <a:off x="1204060" y="2324100"/>
+            <a:ext cx="15559939" cy="6180538"/>
+          </a:xfrm>
+          <a:prstGeom prst="rect">
+            <a:avLst/>
+          </a:prstGeom>
+        </p:spPr>
+        <p:txBody>
+          <a:bodyPr vert="horz" wrap="square" lIns="0" tIns="12065" rIns="0" bIns="0" rtlCol="0">
+            <a:spAutoFit/>
+          </a:bodyPr>
+          <a:lstStyle>
+            <a:lvl1pPr>
+              <a:defRPr sz="12200" b="0" i="0">
+                <a:solidFill>
+                  <a:schemeClr val="bg1"/>
+                </a:solidFill>
+                <a:latin typeface="Lucida Sans Unicode"/>
+                <a:ea typeface="+mj-ea"/>
+                <a:cs typeface="Lucida Sans Unicode"/>
+              </a:defRPr>
+            </a:lvl1pPr>
+          </a:lstStyle>
+          <a:p>
+            <a:pPr marL="584200" indent="-571500" algn="just">
+              <a:spcBef>
+                <a:spcPts val="95"/>
+              </a:spcBef>
+              <a:buFont typeface="Wingdings" panose="05000000000000000000" pitchFamily="2" charset="2"/>
+              <a:buChar char="§"/>
+            </a:pPr>
+            <a:r>
+              <a:rPr lang="pt-BR" sz="4000" b="1" kern="0" spc="180" dirty="0">
+                <a:solidFill>
+                  <a:schemeClr val="tx1"/>
+                </a:solidFill>
+                <a:latin typeface="Arial"/>
+                <a:cs typeface="Arial"/>
+              </a:rPr>
+              <a:t>Linguagem interpretada é uma linguagem de programação em que o código fonte nessa linguagem é executado por um programa de computador chamado interpretador, que em seguida é executado pelo sistema operacional ou </a:t>
+            </a:r>
+            <a:r>
+              <a:rPr lang="pt-BR" sz="4000" b="1" kern="0" spc="180" dirty="0" smtClean="0">
+                <a:solidFill>
+                  <a:schemeClr val="tx1"/>
+                </a:solidFill>
+                <a:latin typeface="Arial"/>
+                <a:cs typeface="Arial"/>
+              </a:rPr>
+              <a:t>processador. Mesmo </a:t>
+            </a:r>
+            <a:r>
+              <a:rPr lang="pt-BR" sz="4000" b="1" kern="0" spc="180" dirty="0">
+                <a:solidFill>
+                  <a:schemeClr val="tx1"/>
+                </a:solidFill>
+                <a:latin typeface="Arial"/>
+                <a:cs typeface="Arial"/>
+              </a:rPr>
+              <a:t>que um código em uma linguagem passe pelo processo de compilação, a linguagem pode ser considerada interpretada se o programa resultante não for executado diretamente pelo sistema operacional ou </a:t>
+            </a:r>
+            <a:r>
+              <a:rPr lang="pt-BR" sz="4000" b="1" kern="0" spc="180" dirty="0" smtClean="0">
+                <a:solidFill>
+                  <a:schemeClr val="tx1"/>
+                </a:solidFill>
+                <a:latin typeface="Arial"/>
+                <a:cs typeface="Arial"/>
+              </a:rPr>
+              <a:t>processador.</a:t>
+            </a:r>
+          </a:p>
+          <a:p>
+            <a:pPr marL="584200" indent="-571500" algn="just">
+              <a:spcBef>
+                <a:spcPts val="95"/>
+              </a:spcBef>
+              <a:buFont typeface="Wingdings" panose="05000000000000000000" pitchFamily="2" charset="2"/>
+              <a:buChar char="§"/>
+            </a:pPr>
+            <a:r>
+              <a:rPr lang="pt-BR" sz="4000" b="1" kern="0" spc="180" dirty="0" smtClean="0">
+                <a:solidFill>
+                  <a:schemeClr val="tx1"/>
+                </a:solidFill>
+                <a:latin typeface="Arial"/>
+                <a:cs typeface="Arial"/>
+              </a:rPr>
+              <a:t>Exemplo: C#, Java, </a:t>
+            </a:r>
+            <a:r>
+              <a:rPr lang="pt-BR" sz="4000" b="1" kern="0" spc="180" dirty="0" err="1" smtClean="0">
+                <a:solidFill>
+                  <a:schemeClr val="tx1"/>
+                </a:solidFill>
+                <a:latin typeface="Arial"/>
+                <a:cs typeface="Arial"/>
+              </a:rPr>
+              <a:t>Ruby</a:t>
+            </a:r>
+            <a:r>
+              <a:rPr lang="pt-BR" sz="4000" b="1" kern="0" spc="180" dirty="0" smtClean="0">
+                <a:solidFill>
+                  <a:schemeClr val="tx1"/>
+                </a:solidFill>
+                <a:latin typeface="Arial"/>
+                <a:cs typeface="Arial"/>
+              </a:rPr>
+              <a:t>, etc...</a:t>
+            </a:r>
+            <a:endParaRPr lang="pt-BR" sz="4000" b="1" kern="0" spc="180" dirty="0">
+              <a:solidFill>
+                <a:schemeClr val="tx1"/>
+              </a:solidFill>
+              <a:latin typeface="Arial"/>
+              <a:cs typeface="Arial"/>
+            </a:endParaRPr>
+          </a:p>
+        </p:txBody>
+      </p:sp>
+    </p:spTree>
+    <p:extLst>
+      <p:ext uri="{BB962C8B-B14F-4D97-AF65-F5344CB8AC3E}">
+        <p14:creationId xmlns:p14="http://schemas.microsoft.com/office/powerpoint/2010/main" val="3367103014"/>
+      </p:ext>
+    </p:extLst>
+  </p:cSld>
+  <p:clrMapOvr>
+    <a:masterClrMapping/>
+  </p:clrMapOvr>
+  <p:timing>
+    <p:tnLst>
+      <p:par>
+        <p:cTn id="1" dur="indefinite" restart="never" nodeType="tmRoot"/>
+      </p:par>
+    </p:tnLst>
+  </p:timing>
+</p:sld>
+</file>
+
+<file path=ppt/slides/slide13.xml><?xml version="1.0" encoding="utf-8"?>
+<p:sld xmlns:a="http://schemas.openxmlformats.org/drawingml/2006/main" xmlns:r="http://schemas.openxmlformats.org/officeDocument/2006/relationships" xmlns:p="http://schemas.openxmlformats.org/presentationml/2006/main">
+  <p:cSld>
+    <p:spTree>
+      <p:nvGrpSpPr>
+        <p:cNvPr id="1" name=""/>
+        <p:cNvGrpSpPr/>
+        <p:nvPr/>
+      </p:nvGrpSpPr>
+      <p:grpSpPr>
+        <a:xfrm>
+          <a:off x="0" y="0"/>
+          <a:ext cx="0" cy="0"/>
+          <a:chOff x="0" y="0"/>
+          <a:chExt cx="0" cy="0"/>
+        </a:xfrm>
+      </p:grpSpPr>
+      <p:sp>
+        <p:nvSpPr>
+          <p:cNvPr id="9" name="object 28"/>
+          <p:cNvSpPr txBox="1">
+            <a:spLocks/>
+          </p:cNvSpPr>
+          <p:nvPr/>
+        </p:nvSpPr>
+        <p:spPr>
+          <a:xfrm>
+            <a:off x="838200" y="722256"/>
+            <a:ext cx="13715899" cy="943848"/>
+          </a:xfrm>
+          <a:prstGeom prst="rect">
+            <a:avLst/>
+          </a:prstGeom>
+        </p:spPr>
+        <p:txBody>
+          <a:bodyPr vert="horz" wrap="square" lIns="0" tIns="12700" rIns="0" bIns="0" rtlCol="0">
+            <a:spAutoFit/>
+          </a:bodyPr>
+          <a:lstStyle>
+            <a:lvl1pPr>
+              <a:defRPr sz="12200" b="0" i="0">
+                <a:solidFill>
+                  <a:schemeClr val="bg1"/>
+                </a:solidFill>
+                <a:latin typeface="Lucida Sans Unicode"/>
+                <a:ea typeface="+mj-ea"/>
+                <a:cs typeface="Lucida Sans Unicode"/>
+              </a:defRPr>
+            </a:lvl1pPr>
+          </a:lstStyle>
+          <a:p>
+            <a:pPr marL="12700">
+              <a:spcBef>
+                <a:spcPts val="100"/>
+              </a:spcBef>
+            </a:pPr>
+            <a:r>
+              <a:rPr lang="pt-BR" sz="6050" b="1" kern="0" spc="270" dirty="0" err="1">
+                <a:solidFill>
+                  <a:srgbClr val="69EB00"/>
+                </a:solidFill>
+                <a:latin typeface="Arial"/>
+                <a:cs typeface="Arial"/>
+              </a:rPr>
+              <a:t>Tipagem</a:t>
+            </a:r>
+            <a:r>
+              <a:rPr lang="pt-BR" sz="6050" b="1" kern="0" spc="270" dirty="0">
+                <a:solidFill>
+                  <a:srgbClr val="69EB00"/>
+                </a:solidFill>
+                <a:latin typeface="Arial"/>
+                <a:cs typeface="Arial"/>
+              </a:rPr>
+              <a:t> de dados:</a:t>
+            </a:r>
+            <a:endParaRPr lang="pt-BR" sz="6050" kern="0" dirty="0">
+              <a:latin typeface="Arial"/>
+              <a:cs typeface="Arial"/>
+            </a:endParaRPr>
+          </a:p>
+        </p:txBody>
+      </p:sp>
+      <p:sp>
+        <p:nvSpPr>
+          <p:cNvPr id="10" name="object 5"/>
+          <p:cNvSpPr/>
+          <p:nvPr/>
+        </p:nvSpPr>
+        <p:spPr>
+          <a:xfrm>
+            <a:off x="838200" y="1943101"/>
+            <a:ext cx="16687800" cy="6629400"/>
+          </a:xfrm>
+          <a:custGeom>
+            <a:avLst/>
+            <a:gdLst/>
+            <a:ahLst/>
+            <a:cxnLst/>
+            <a:rect l="l" t="t" r="r" b="b"/>
+            <a:pathLst>
+              <a:path w="8507094" h="2987040">
+                <a:moveTo>
+                  <a:pt x="8009128" y="0"/>
+                </a:moveTo>
+                <a:lnTo>
+                  <a:pt x="0" y="0"/>
+                </a:lnTo>
+                <a:lnTo>
+                  <a:pt x="0" y="2987040"/>
+                </a:lnTo>
+                <a:lnTo>
+                  <a:pt x="8009128" y="2987040"/>
+                </a:lnTo>
+                <a:lnTo>
+                  <a:pt x="8057074" y="2984761"/>
+                </a:lnTo>
+                <a:lnTo>
+                  <a:pt x="8103730" y="2978063"/>
+                </a:lnTo>
+                <a:lnTo>
+                  <a:pt x="8148889" y="2967155"/>
+                </a:lnTo>
+                <a:lnTo>
+                  <a:pt x="8192340" y="2952246"/>
+                </a:lnTo>
+                <a:lnTo>
+                  <a:pt x="8233876" y="2933543"/>
+                </a:lnTo>
+                <a:lnTo>
+                  <a:pt x="8273288" y="2911257"/>
+                </a:lnTo>
+                <a:lnTo>
+                  <a:pt x="8310367" y="2885594"/>
+                </a:lnTo>
+                <a:lnTo>
+                  <a:pt x="8344905" y="2856765"/>
+                </a:lnTo>
+                <a:lnTo>
+                  <a:pt x="8376693" y="2824977"/>
+                </a:lnTo>
+                <a:lnTo>
+                  <a:pt x="8405522" y="2790439"/>
+                </a:lnTo>
+                <a:lnTo>
+                  <a:pt x="8431185" y="2753360"/>
+                </a:lnTo>
+                <a:lnTo>
+                  <a:pt x="8453471" y="2713948"/>
+                </a:lnTo>
+                <a:lnTo>
+                  <a:pt x="8472174" y="2672412"/>
+                </a:lnTo>
+                <a:lnTo>
+                  <a:pt x="8487083" y="2628961"/>
+                </a:lnTo>
+                <a:lnTo>
+                  <a:pt x="8497991" y="2583802"/>
+                </a:lnTo>
+                <a:lnTo>
+                  <a:pt x="8504689" y="2537146"/>
+                </a:lnTo>
+                <a:lnTo>
+                  <a:pt x="8506968" y="2489200"/>
+                </a:lnTo>
+                <a:lnTo>
+                  <a:pt x="8506968" y="497840"/>
+                </a:lnTo>
+                <a:lnTo>
+                  <a:pt x="8504689" y="449893"/>
+                </a:lnTo>
+                <a:lnTo>
+                  <a:pt x="8497991" y="403237"/>
+                </a:lnTo>
+                <a:lnTo>
+                  <a:pt x="8487083" y="358078"/>
+                </a:lnTo>
+                <a:lnTo>
+                  <a:pt x="8472174" y="314627"/>
+                </a:lnTo>
+                <a:lnTo>
+                  <a:pt x="8453471" y="273091"/>
+                </a:lnTo>
+                <a:lnTo>
+                  <a:pt x="8431185" y="233679"/>
+                </a:lnTo>
+                <a:lnTo>
+                  <a:pt x="8405522" y="196600"/>
+                </a:lnTo>
+                <a:lnTo>
+                  <a:pt x="8376693" y="162062"/>
+                </a:lnTo>
+                <a:lnTo>
+                  <a:pt x="8344905" y="130274"/>
+                </a:lnTo>
+                <a:lnTo>
+                  <a:pt x="8310367" y="101445"/>
+                </a:lnTo>
+                <a:lnTo>
+                  <a:pt x="8273288" y="75782"/>
+                </a:lnTo>
+                <a:lnTo>
+                  <a:pt x="8233876" y="53496"/>
+                </a:lnTo>
+                <a:lnTo>
+                  <a:pt x="8192340" y="34793"/>
+                </a:lnTo>
+                <a:lnTo>
+                  <a:pt x="8148889" y="19884"/>
+                </a:lnTo>
+                <a:lnTo>
+                  <a:pt x="8103730" y="8976"/>
+                </a:lnTo>
+                <a:lnTo>
+                  <a:pt x="8057074" y="2278"/>
+                </a:lnTo>
+                <a:lnTo>
+                  <a:pt x="8009128" y="0"/>
+                </a:lnTo>
+                <a:close/>
+              </a:path>
+            </a:pathLst>
+          </a:custGeom>
+        </p:spPr>
+        <p:style>
+          <a:lnRef idx="2">
+            <a:schemeClr val="accent3"/>
+          </a:lnRef>
+          <a:fillRef idx="1">
+            <a:schemeClr val="lt1"/>
+          </a:fillRef>
+          <a:effectRef idx="0">
+            <a:schemeClr val="accent3"/>
+          </a:effectRef>
+          <a:fontRef idx="minor">
+            <a:schemeClr val="dk1"/>
+          </a:fontRef>
+        </p:style>
+        <p:txBody>
+          <a:bodyPr wrap="square" lIns="0" tIns="0" rIns="0" bIns="0" rtlCol="0"/>
+          <a:lstStyle/>
+          <a:p>
+            <a:endParaRPr/>
+          </a:p>
+        </p:txBody>
+      </p:sp>
+      <p:sp>
+        <p:nvSpPr>
+          <p:cNvPr id="6" name="object 7"/>
+          <p:cNvSpPr txBox="1">
+            <a:spLocks/>
+          </p:cNvSpPr>
+          <p:nvPr/>
+        </p:nvSpPr>
+        <p:spPr>
+          <a:xfrm>
+            <a:off x="1204060" y="2247900"/>
+            <a:ext cx="15559939" cy="6180538"/>
+          </a:xfrm>
+          <a:prstGeom prst="rect">
+            <a:avLst/>
+          </a:prstGeom>
+        </p:spPr>
+        <p:txBody>
+          <a:bodyPr vert="horz" wrap="square" lIns="0" tIns="12065" rIns="0" bIns="0" rtlCol="0">
+            <a:spAutoFit/>
+          </a:bodyPr>
+          <a:lstStyle>
+            <a:lvl1pPr>
+              <a:defRPr sz="12200" b="0" i="0">
+                <a:solidFill>
+                  <a:schemeClr val="bg1"/>
+                </a:solidFill>
+                <a:latin typeface="Lucida Sans Unicode"/>
+                <a:ea typeface="+mj-ea"/>
+                <a:cs typeface="Lucida Sans Unicode"/>
+              </a:defRPr>
+            </a:lvl1pPr>
+          </a:lstStyle>
+          <a:p>
+            <a:pPr marL="584200" indent="-571500" algn="just">
+              <a:spcBef>
+                <a:spcPts val="95"/>
+              </a:spcBef>
+              <a:buFont typeface="Wingdings" panose="05000000000000000000" pitchFamily="2" charset="2"/>
+              <a:buChar char="§"/>
+            </a:pPr>
+            <a:r>
+              <a:rPr lang="pt-BR" sz="4000" b="1" spc="180" dirty="0">
+                <a:solidFill>
+                  <a:srgbClr val="92D050"/>
+                </a:solidFill>
+                <a:latin typeface="Arial"/>
+                <a:cs typeface="Arial"/>
+              </a:rPr>
+              <a:t>Linguagens fortemente </a:t>
+            </a:r>
+            <a:r>
+              <a:rPr lang="pt-BR" sz="4000" b="1" spc="180" dirty="0" err="1">
+                <a:solidFill>
+                  <a:srgbClr val="92D050"/>
+                </a:solidFill>
+                <a:latin typeface="Arial"/>
+                <a:cs typeface="Arial"/>
+              </a:rPr>
+              <a:t>tipadas</a:t>
+            </a:r>
+            <a:r>
+              <a:rPr lang="pt-BR" sz="4000" b="1" spc="180" dirty="0">
+                <a:solidFill>
+                  <a:srgbClr val="92D050"/>
+                </a:solidFill>
+                <a:latin typeface="Arial"/>
+                <a:cs typeface="Arial"/>
+              </a:rPr>
+              <a:t>:</a:t>
+            </a:r>
+            <a:endParaRPr lang="pt-BR" sz="4000" b="1" kern="0" spc="180" dirty="0" smtClean="0">
+              <a:solidFill>
+                <a:schemeClr val="tx1"/>
+              </a:solidFill>
+              <a:latin typeface="Arial"/>
+              <a:cs typeface="Arial"/>
+            </a:endParaRPr>
+          </a:p>
+          <a:p>
+            <a:pPr marL="584200" indent="-571500" algn="just">
+              <a:spcBef>
+                <a:spcPts val="95"/>
+              </a:spcBef>
+              <a:buFont typeface="Wingdings" panose="05000000000000000000" pitchFamily="2" charset="2"/>
+              <a:buChar char="§"/>
+            </a:pPr>
+            <a:r>
+              <a:rPr lang="pt-BR" sz="4000" b="1" kern="0" spc="180" dirty="0">
+                <a:solidFill>
+                  <a:schemeClr val="tx1"/>
+                </a:solidFill>
+                <a:latin typeface="Arial"/>
+                <a:cs typeface="Arial"/>
+              </a:rPr>
+              <a:t>Linguagens fortemente </a:t>
+            </a:r>
+            <a:r>
+              <a:rPr lang="pt-BR" sz="4000" b="1" kern="0" spc="180" dirty="0" err="1" smtClean="0">
+                <a:solidFill>
+                  <a:schemeClr val="tx1"/>
+                </a:solidFill>
+                <a:latin typeface="Arial"/>
+                <a:cs typeface="Arial"/>
+              </a:rPr>
+              <a:t>tipadas</a:t>
+            </a:r>
+            <a:r>
+              <a:rPr lang="pt-BR" sz="4000" b="1" kern="0" spc="180" dirty="0" smtClean="0">
+                <a:solidFill>
+                  <a:schemeClr val="tx1"/>
+                </a:solidFill>
+                <a:latin typeface="Arial"/>
+                <a:cs typeface="Arial"/>
+              </a:rPr>
+              <a:t> são </a:t>
+            </a:r>
+            <a:r>
+              <a:rPr lang="pt-BR" sz="4000" b="1" kern="0" spc="180" dirty="0">
+                <a:solidFill>
+                  <a:schemeClr val="tx1"/>
+                </a:solidFill>
+                <a:latin typeface="Arial"/>
+                <a:cs typeface="Arial"/>
+              </a:rPr>
+              <a:t>aquelas em que todas as variáveis tem um tipo específico e seus tipos são importantes para a </a:t>
+            </a:r>
+            <a:r>
+              <a:rPr lang="pt-BR" sz="4000" b="1" kern="0" spc="180" dirty="0" smtClean="0">
+                <a:solidFill>
+                  <a:schemeClr val="tx1"/>
+                </a:solidFill>
+                <a:latin typeface="Arial"/>
+                <a:cs typeface="Arial"/>
+              </a:rPr>
+              <a:t>linguagem. </a:t>
+            </a:r>
+            <a:r>
+              <a:rPr lang="pt-BR" sz="4000" b="1" kern="0" spc="180" dirty="0">
+                <a:solidFill>
+                  <a:schemeClr val="tx1"/>
+                </a:solidFill>
+                <a:latin typeface="Arial"/>
+                <a:cs typeface="Arial"/>
+              </a:rPr>
+              <a:t>Normalmente as linguagens fortemente </a:t>
+            </a:r>
+            <a:r>
+              <a:rPr lang="pt-BR" sz="4000" b="1" kern="0" spc="180" dirty="0" err="1">
+                <a:solidFill>
+                  <a:schemeClr val="tx1"/>
+                </a:solidFill>
+                <a:latin typeface="Arial"/>
+                <a:cs typeface="Arial"/>
+              </a:rPr>
+              <a:t>tipadas</a:t>
+            </a:r>
+            <a:r>
+              <a:rPr lang="pt-BR" sz="4000" b="1" kern="0" spc="180" dirty="0">
+                <a:solidFill>
+                  <a:schemeClr val="tx1"/>
+                </a:solidFill>
+                <a:latin typeface="Arial"/>
+                <a:cs typeface="Arial"/>
+              </a:rPr>
+              <a:t> também são estaticamente </a:t>
+            </a:r>
+            <a:r>
+              <a:rPr lang="pt-BR" sz="4000" b="1" kern="0" spc="180" dirty="0" err="1">
+                <a:solidFill>
+                  <a:schemeClr val="tx1"/>
+                </a:solidFill>
+                <a:latin typeface="Arial"/>
+                <a:cs typeface="Arial"/>
+              </a:rPr>
+              <a:t>tipadas</a:t>
+            </a:r>
+            <a:r>
+              <a:rPr lang="pt-BR" sz="4000" b="1" kern="0" spc="180" dirty="0">
+                <a:solidFill>
+                  <a:schemeClr val="tx1"/>
+                </a:solidFill>
+                <a:latin typeface="Arial"/>
+                <a:cs typeface="Arial"/>
+              </a:rPr>
+              <a:t>, o que significa que uma vez que a variável foi declarada com um tipo ela será até o seu fim do mesmo </a:t>
+            </a:r>
+            <a:r>
+              <a:rPr lang="pt-BR" sz="4000" b="1" kern="0" spc="180" dirty="0" smtClean="0">
+                <a:solidFill>
+                  <a:schemeClr val="tx1"/>
+                </a:solidFill>
+                <a:latin typeface="Arial"/>
+                <a:cs typeface="Arial"/>
+              </a:rPr>
+              <a:t>tipo. </a:t>
+            </a:r>
+            <a:r>
+              <a:rPr lang="pt-BR" sz="4000" b="1" kern="0" spc="180" dirty="0">
+                <a:solidFill>
+                  <a:schemeClr val="tx1"/>
+                </a:solidFill>
+                <a:latin typeface="Arial"/>
+                <a:cs typeface="Arial"/>
+              </a:rPr>
+              <a:t>T</a:t>
+            </a:r>
+            <a:r>
+              <a:rPr lang="pt-BR" sz="4000" b="1" kern="0" spc="180" dirty="0" smtClean="0">
+                <a:solidFill>
+                  <a:schemeClr val="tx1"/>
+                </a:solidFill>
+                <a:latin typeface="Arial"/>
+                <a:cs typeface="Arial"/>
+              </a:rPr>
+              <a:t>ambém </a:t>
+            </a:r>
+            <a:r>
+              <a:rPr lang="pt-BR" sz="4000" b="1" kern="0" spc="180" dirty="0">
+                <a:solidFill>
+                  <a:schemeClr val="tx1"/>
+                </a:solidFill>
+                <a:latin typeface="Arial"/>
+                <a:cs typeface="Arial"/>
+              </a:rPr>
+              <a:t>normalmente possuem declaração explicita de </a:t>
+            </a:r>
+            <a:r>
+              <a:rPr lang="pt-BR" sz="4000" b="1" kern="0" spc="180" dirty="0" smtClean="0">
+                <a:solidFill>
+                  <a:schemeClr val="tx1"/>
+                </a:solidFill>
+                <a:latin typeface="Arial"/>
+                <a:cs typeface="Arial"/>
+              </a:rPr>
+              <a:t>tipo </a:t>
+            </a:r>
+            <a:r>
+              <a:rPr lang="pt-BR" sz="4000" b="1" kern="0" spc="180" dirty="0">
+                <a:solidFill>
+                  <a:schemeClr val="tx1"/>
+                </a:solidFill>
+                <a:latin typeface="Arial"/>
+                <a:cs typeface="Arial"/>
+              </a:rPr>
+              <a:t>onde o tipo da variável deve ser </a:t>
+            </a:r>
+            <a:r>
+              <a:rPr lang="pt-BR" sz="4000" b="1" kern="0" spc="180" dirty="0" smtClean="0">
+                <a:solidFill>
+                  <a:schemeClr val="tx1"/>
+                </a:solidFill>
+                <a:latin typeface="Arial"/>
+                <a:cs typeface="Arial"/>
+              </a:rPr>
+              <a:t>especificado. Exemplo: C#, Java, etc...</a:t>
+            </a:r>
+            <a:endParaRPr lang="pt-BR" sz="4000" b="1" kern="0" spc="180" dirty="0">
+              <a:solidFill>
+                <a:schemeClr val="tx1"/>
+              </a:solidFill>
+              <a:latin typeface="Arial"/>
+              <a:cs typeface="Arial"/>
+            </a:endParaRPr>
+          </a:p>
+        </p:txBody>
+      </p:sp>
+    </p:spTree>
+    <p:extLst>
+      <p:ext uri="{BB962C8B-B14F-4D97-AF65-F5344CB8AC3E}">
+        <p14:creationId xmlns:p14="http://schemas.microsoft.com/office/powerpoint/2010/main" val="3367103014"/>
+      </p:ext>
+    </p:extLst>
+  </p:cSld>
+  <p:clrMapOvr>
+    <a:masterClrMapping/>
+  </p:clrMapOvr>
+  <p:timing>
+    <p:tnLst>
+      <p:par>
+        <p:cTn id="1" dur="indefinite" restart="never" nodeType="tmRoot"/>
+      </p:par>
+    </p:tnLst>
+  </p:timing>
+</p:sld>
+</file>
+
+<file path=ppt/slides/slide14.xml><?xml version="1.0" encoding="utf-8"?>
+<p:sld xmlns:a="http://schemas.openxmlformats.org/drawingml/2006/main" xmlns:r="http://schemas.openxmlformats.org/officeDocument/2006/relationships" xmlns:p="http://schemas.openxmlformats.org/presentationml/2006/main">
+  <p:cSld>
+    <p:spTree>
+      <p:nvGrpSpPr>
+        <p:cNvPr id="1" name=""/>
+        <p:cNvGrpSpPr/>
+        <p:nvPr/>
+      </p:nvGrpSpPr>
+      <p:grpSpPr>
+        <a:xfrm>
+          <a:off x="0" y="0"/>
+          <a:ext cx="0" cy="0"/>
+          <a:chOff x="0" y="0"/>
+          <a:chExt cx="0" cy="0"/>
+        </a:xfrm>
+      </p:grpSpPr>
+      <p:sp>
+        <p:nvSpPr>
+          <p:cNvPr id="10" name="object 5"/>
+          <p:cNvSpPr/>
+          <p:nvPr/>
+        </p:nvSpPr>
+        <p:spPr>
+          <a:xfrm>
+            <a:off x="838200" y="1943101"/>
+            <a:ext cx="16687800" cy="6629400"/>
+          </a:xfrm>
+          <a:custGeom>
+            <a:avLst/>
+            <a:gdLst/>
+            <a:ahLst/>
+            <a:cxnLst/>
+            <a:rect l="l" t="t" r="r" b="b"/>
+            <a:pathLst>
+              <a:path w="8507094" h="2987040">
+                <a:moveTo>
+                  <a:pt x="8009128" y="0"/>
+                </a:moveTo>
+                <a:lnTo>
+                  <a:pt x="0" y="0"/>
+                </a:lnTo>
+                <a:lnTo>
+                  <a:pt x="0" y="2987040"/>
+                </a:lnTo>
+                <a:lnTo>
+                  <a:pt x="8009128" y="2987040"/>
+                </a:lnTo>
+                <a:lnTo>
+                  <a:pt x="8057074" y="2984761"/>
+                </a:lnTo>
+                <a:lnTo>
+                  <a:pt x="8103730" y="2978063"/>
+                </a:lnTo>
+                <a:lnTo>
+                  <a:pt x="8148889" y="2967155"/>
+                </a:lnTo>
+                <a:lnTo>
+                  <a:pt x="8192340" y="2952246"/>
+                </a:lnTo>
+                <a:lnTo>
+                  <a:pt x="8233876" y="2933543"/>
+                </a:lnTo>
+                <a:lnTo>
+                  <a:pt x="8273288" y="2911257"/>
+                </a:lnTo>
+                <a:lnTo>
+                  <a:pt x="8310367" y="2885594"/>
+                </a:lnTo>
+                <a:lnTo>
+                  <a:pt x="8344905" y="2856765"/>
+                </a:lnTo>
+                <a:lnTo>
+                  <a:pt x="8376693" y="2824977"/>
+                </a:lnTo>
+                <a:lnTo>
+                  <a:pt x="8405522" y="2790439"/>
+                </a:lnTo>
+                <a:lnTo>
+                  <a:pt x="8431185" y="2753360"/>
+                </a:lnTo>
+                <a:lnTo>
+                  <a:pt x="8453471" y="2713948"/>
+                </a:lnTo>
+                <a:lnTo>
+                  <a:pt x="8472174" y="2672412"/>
+                </a:lnTo>
+                <a:lnTo>
+                  <a:pt x="8487083" y="2628961"/>
+                </a:lnTo>
+                <a:lnTo>
+                  <a:pt x="8497991" y="2583802"/>
+                </a:lnTo>
+                <a:lnTo>
+                  <a:pt x="8504689" y="2537146"/>
+                </a:lnTo>
+                <a:lnTo>
+                  <a:pt x="8506968" y="2489200"/>
+                </a:lnTo>
+                <a:lnTo>
+                  <a:pt x="8506968" y="497840"/>
+                </a:lnTo>
+                <a:lnTo>
+                  <a:pt x="8504689" y="449893"/>
+                </a:lnTo>
+                <a:lnTo>
+                  <a:pt x="8497991" y="403237"/>
+                </a:lnTo>
+                <a:lnTo>
+                  <a:pt x="8487083" y="358078"/>
+                </a:lnTo>
+                <a:lnTo>
+                  <a:pt x="8472174" y="314627"/>
+                </a:lnTo>
+                <a:lnTo>
+                  <a:pt x="8453471" y="273091"/>
+                </a:lnTo>
+                <a:lnTo>
+                  <a:pt x="8431185" y="233679"/>
+                </a:lnTo>
+                <a:lnTo>
+                  <a:pt x="8405522" y="196600"/>
+                </a:lnTo>
+                <a:lnTo>
+                  <a:pt x="8376693" y="162062"/>
+                </a:lnTo>
+                <a:lnTo>
+                  <a:pt x="8344905" y="130274"/>
+                </a:lnTo>
+                <a:lnTo>
+                  <a:pt x="8310367" y="101445"/>
+                </a:lnTo>
+                <a:lnTo>
+                  <a:pt x="8273288" y="75782"/>
+                </a:lnTo>
+                <a:lnTo>
+                  <a:pt x="8233876" y="53496"/>
+                </a:lnTo>
+                <a:lnTo>
+                  <a:pt x="8192340" y="34793"/>
+                </a:lnTo>
+                <a:lnTo>
+                  <a:pt x="8148889" y="19884"/>
+                </a:lnTo>
+                <a:lnTo>
+                  <a:pt x="8103730" y="8976"/>
+                </a:lnTo>
+                <a:lnTo>
+                  <a:pt x="8057074" y="2278"/>
+                </a:lnTo>
+                <a:lnTo>
+                  <a:pt x="8009128" y="0"/>
+                </a:lnTo>
+                <a:close/>
+              </a:path>
+            </a:pathLst>
+          </a:custGeom>
+        </p:spPr>
+        <p:style>
+          <a:lnRef idx="2">
+            <a:schemeClr val="accent3"/>
+          </a:lnRef>
+          <a:fillRef idx="1">
+            <a:schemeClr val="lt1"/>
+          </a:fillRef>
+          <a:effectRef idx="0">
+            <a:schemeClr val="accent3"/>
+          </a:effectRef>
+          <a:fontRef idx="minor">
+            <a:schemeClr val="dk1"/>
+          </a:fontRef>
+        </p:style>
+        <p:txBody>
+          <a:bodyPr wrap="square" lIns="0" tIns="0" rIns="0" bIns="0" rtlCol="0"/>
+          <a:lstStyle/>
+          <a:p>
+            <a:endParaRPr/>
+          </a:p>
+        </p:txBody>
+      </p:sp>
+      <p:sp>
+        <p:nvSpPr>
+          <p:cNvPr id="5" name="object 7"/>
+          <p:cNvSpPr txBox="1">
+            <a:spLocks/>
+          </p:cNvSpPr>
+          <p:nvPr/>
+        </p:nvSpPr>
+        <p:spPr>
+          <a:xfrm>
+            <a:off x="1204060" y="2247900"/>
+            <a:ext cx="15559939" cy="4962256"/>
+          </a:xfrm>
+          <a:prstGeom prst="rect">
+            <a:avLst/>
+          </a:prstGeom>
+        </p:spPr>
+        <p:txBody>
+          <a:bodyPr vert="horz" wrap="square" lIns="0" tIns="12065" rIns="0" bIns="0" rtlCol="0">
+            <a:spAutoFit/>
+          </a:bodyPr>
+          <a:lstStyle>
+            <a:lvl1pPr>
+              <a:defRPr sz="12200" b="0" i="0">
+                <a:solidFill>
+                  <a:schemeClr val="bg1"/>
+                </a:solidFill>
+                <a:latin typeface="Lucida Sans Unicode"/>
+                <a:ea typeface="+mj-ea"/>
+                <a:cs typeface="Lucida Sans Unicode"/>
+              </a:defRPr>
+            </a:lvl1pPr>
+          </a:lstStyle>
+          <a:p>
+            <a:pPr marL="584200" indent="-571500" algn="just">
+              <a:spcBef>
+                <a:spcPts val="95"/>
+              </a:spcBef>
+              <a:buFont typeface="Wingdings" panose="05000000000000000000" pitchFamily="2" charset="2"/>
+              <a:buChar char="§"/>
+            </a:pPr>
+            <a:r>
+              <a:rPr lang="pt-BR" sz="4000" b="1" spc="180" dirty="0">
+                <a:solidFill>
+                  <a:srgbClr val="92D050"/>
+                </a:solidFill>
+                <a:latin typeface="Arial"/>
+                <a:cs typeface="Arial"/>
+              </a:rPr>
+              <a:t>Linguagens fracamente </a:t>
+            </a:r>
+            <a:r>
+              <a:rPr lang="pt-BR" sz="4000" b="1" spc="180" dirty="0" err="1">
+                <a:solidFill>
+                  <a:srgbClr val="92D050"/>
+                </a:solidFill>
+                <a:latin typeface="Arial"/>
+                <a:cs typeface="Arial"/>
+              </a:rPr>
+              <a:t>tipadas</a:t>
+            </a:r>
+            <a:r>
+              <a:rPr lang="pt-BR" sz="4000" b="1" spc="180" dirty="0">
+                <a:solidFill>
+                  <a:srgbClr val="92D050"/>
+                </a:solidFill>
+                <a:latin typeface="Arial"/>
+                <a:cs typeface="Arial"/>
+              </a:rPr>
+              <a:t>:</a:t>
+            </a:r>
+            <a:endParaRPr lang="pt-BR" sz="4000" b="1" kern="0" spc="180" dirty="0" smtClean="0">
+              <a:solidFill>
+                <a:schemeClr val="tx1"/>
+              </a:solidFill>
+              <a:latin typeface="Arial"/>
+              <a:cs typeface="Arial"/>
+            </a:endParaRPr>
+          </a:p>
+          <a:p>
+            <a:pPr marL="584200" indent="-571500" algn="just">
+              <a:spcBef>
+                <a:spcPts val="95"/>
+              </a:spcBef>
+              <a:buFont typeface="Wingdings" panose="05000000000000000000" pitchFamily="2" charset="2"/>
+              <a:buChar char="§"/>
+            </a:pPr>
+            <a:r>
+              <a:rPr lang="pt-BR" sz="4000" b="1" kern="0" spc="180" dirty="0">
+                <a:solidFill>
+                  <a:schemeClr val="tx1"/>
+                </a:solidFill>
+                <a:latin typeface="Arial"/>
+                <a:cs typeface="Arial"/>
+              </a:rPr>
+              <a:t>Linguagens fracamente </a:t>
+            </a:r>
+            <a:r>
+              <a:rPr lang="pt-BR" sz="4000" b="1" kern="0" spc="180" dirty="0" err="1">
+                <a:solidFill>
+                  <a:schemeClr val="tx1"/>
+                </a:solidFill>
+                <a:latin typeface="Arial"/>
+                <a:cs typeface="Arial"/>
+              </a:rPr>
+              <a:t>tipadas</a:t>
+            </a:r>
+            <a:r>
+              <a:rPr lang="pt-BR" sz="4000" b="1" kern="0" spc="180" dirty="0">
+                <a:solidFill>
+                  <a:schemeClr val="tx1"/>
+                </a:solidFill>
+                <a:latin typeface="Arial"/>
+                <a:cs typeface="Arial"/>
+              </a:rPr>
+              <a:t> são aquelas que não se importam com o tipo de dados contido em uma variável. Permitem que o programador não tenha de fazer conversões de tipos (</a:t>
+            </a:r>
+            <a:r>
+              <a:rPr lang="pt-BR" sz="4000" b="1" kern="0" spc="180" dirty="0" err="1">
+                <a:solidFill>
+                  <a:schemeClr val="tx1"/>
+                </a:solidFill>
+                <a:latin typeface="Arial"/>
+                <a:cs typeface="Arial"/>
+              </a:rPr>
+              <a:t>cast</a:t>
+            </a:r>
+            <a:r>
+              <a:rPr lang="pt-BR" sz="4000" b="1" kern="0" spc="180" dirty="0">
+                <a:solidFill>
+                  <a:schemeClr val="tx1"/>
+                </a:solidFill>
+                <a:latin typeface="Arial"/>
+                <a:cs typeface="Arial"/>
+              </a:rPr>
+              <a:t>). Neste caso o exemplo abaixo funcionaria sem erros mesmo sendo de tipos </a:t>
+            </a:r>
+            <a:r>
+              <a:rPr lang="pt-BR" sz="4000" b="1" kern="0" spc="180" dirty="0" smtClean="0">
+                <a:solidFill>
+                  <a:schemeClr val="tx1"/>
+                </a:solidFill>
+                <a:latin typeface="Arial"/>
+                <a:cs typeface="Arial"/>
+              </a:rPr>
+              <a:t>diferentes.</a:t>
+            </a:r>
+          </a:p>
+          <a:p>
+            <a:pPr marL="584200" indent="-571500" algn="just">
+              <a:spcBef>
+                <a:spcPts val="95"/>
+              </a:spcBef>
+              <a:buFont typeface="Wingdings" panose="05000000000000000000" pitchFamily="2" charset="2"/>
+              <a:buChar char="§"/>
+            </a:pPr>
+            <a:r>
+              <a:rPr lang="pt-BR" sz="4000" b="1" kern="0" spc="180" dirty="0" smtClean="0">
+                <a:solidFill>
+                  <a:schemeClr val="tx1"/>
+                </a:solidFill>
+                <a:latin typeface="Arial"/>
+                <a:cs typeface="Arial"/>
+              </a:rPr>
+              <a:t>Exemplo: </a:t>
+            </a:r>
+            <a:r>
+              <a:rPr lang="pt-BR" sz="4000" b="1" kern="0" spc="180" dirty="0" err="1" smtClean="0">
+                <a:solidFill>
+                  <a:schemeClr val="tx1"/>
+                </a:solidFill>
+                <a:latin typeface="Arial"/>
+                <a:cs typeface="Arial"/>
+              </a:rPr>
+              <a:t>JavaScript</a:t>
+            </a:r>
+            <a:r>
+              <a:rPr lang="pt-BR" sz="4000" b="1" kern="0" spc="180" dirty="0" smtClean="0">
+                <a:solidFill>
+                  <a:schemeClr val="tx1"/>
+                </a:solidFill>
+                <a:latin typeface="Arial"/>
+                <a:cs typeface="Arial"/>
+              </a:rPr>
+              <a:t>, etc...</a:t>
+            </a:r>
+            <a:endParaRPr lang="pt-BR" sz="4000" b="1" kern="0" spc="180" dirty="0">
+              <a:solidFill>
+                <a:schemeClr val="tx1"/>
+              </a:solidFill>
+              <a:latin typeface="Arial"/>
+              <a:cs typeface="Arial"/>
+            </a:endParaRPr>
+          </a:p>
+        </p:txBody>
+      </p:sp>
+      <p:sp>
+        <p:nvSpPr>
+          <p:cNvPr id="6" name="object 28"/>
+          <p:cNvSpPr txBox="1">
+            <a:spLocks/>
+          </p:cNvSpPr>
+          <p:nvPr/>
+        </p:nvSpPr>
+        <p:spPr>
+          <a:xfrm>
+            <a:off x="838200" y="722256"/>
+            <a:ext cx="13715899" cy="943848"/>
+          </a:xfrm>
+          <a:prstGeom prst="rect">
+            <a:avLst/>
+          </a:prstGeom>
+        </p:spPr>
+        <p:txBody>
+          <a:bodyPr vert="horz" wrap="square" lIns="0" tIns="12700" rIns="0" bIns="0" rtlCol="0">
+            <a:spAutoFit/>
+          </a:bodyPr>
+          <a:lstStyle>
+            <a:lvl1pPr>
+              <a:defRPr sz="12200" b="0" i="0">
+                <a:solidFill>
+                  <a:schemeClr val="bg1"/>
+                </a:solidFill>
+                <a:latin typeface="Lucida Sans Unicode"/>
+                <a:ea typeface="+mj-ea"/>
+                <a:cs typeface="Lucida Sans Unicode"/>
+              </a:defRPr>
+            </a:lvl1pPr>
+          </a:lstStyle>
+          <a:p>
+            <a:pPr marL="12700">
+              <a:spcBef>
+                <a:spcPts val="100"/>
+              </a:spcBef>
+            </a:pPr>
+            <a:r>
+              <a:rPr lang="pt-BR" sz="6050" b="1" kern="0" spc="270" dirty="0" err="1">
+                <a:solidFill>
+                  <a:srgbClr val="69EB00"/>
+                </a:solidFill>
+                <a:latin typeface="Arial"/>
+                <a:cs typeface="Arial"/>
+              </a:rPr>
+              <a:t>Tipagem</a:t>
+            </a:r>
+            <a:r>
+              <a:rPr lang="pt-BR" sz="6050" b="1" kern="0" spc="270" dirty="0">
+                <a:solidFill>
+                  <a:srgbClr val="69EB00"/>
+                </a:solidFill>
+                <a:latin typeface="Arial"/>
+                <a:cs typeface="Arial"/>
+              </a:rPr>
+              <a:t> de dados:</a:t>
+            </a:r>
+            <a:endParaRPr lang="pt-BR" sz="6050" kern="0" dirty="0">
+              <a:latin typeface="Arial"/>
+              <a:cs typeface="Arial"/>
+            </a:endParaRPr>
+          </a:p>
+        </p:txBody>
+      </p:sp>
+    </p:spTree>
+    <p:extLst>
+      <p:ext uri="{BB962C8B-B14F-4D97-AF65-F5344CB8AC3E}">
+        <p14:creationId xmlns:p14="http://schemas.microsoft.com/office/powerpoint/2010/main" val="3367103014"/>
+      </p:ext>
+    </p:extLst>
+  </p:cSld>
+  <p:clrMapOvr>
+    <a:masterClrMapping/>
+  </p:clrMapOvr>
+  <p:timing>
+    <p:tnLst>
+      <p:par>
+        <p:cTn id="1" dur="indefinite" restart="never" nodeType="tmRoot"/>
+      </p:par>
+    </p:tnLst>
+  </p:timing>
+</p:sld>
+</file>
+
+<file path=ppt/slides/slide15.xml><?xml version="1.0" encoding="utf-8"?>
+<p:sld xmlns:a="http://schemas.openxmlformats.org/drawingml/2006/main" xmlns:r="http://schemas.openxmlformats.org/officeDocument/2006/relationships" xmlns:p="http://schemas.openxmlformats.org/presentationml/2006/main">
+  <p:cSld>
+    <p:spTree>
+      <p:nvGrpSpPr>
+        <p:cNvPr id="1" name=""/>
+        <p:cNvGrpSpPr/>
+        <p:nvPr/>
+      </p:nvGrpSpPr>
+      <p:grpSpPr>
+        <a:xfrm>
+          <a:off x="0" y="0"/>
+          <a:ext cx="0" cy="0"/>
+          <a:chOff x="0" y="0"/>
+          <a:chExt cx="0" cy="0"/>
+        </a:xfrm>
+      </p:grpSpPr>
+      <p:sp>
+        <p:nvSpPr>
+          <p:cNvPr id="10" name="object 5"/>
+          <p:cNvSpPr/>
+          <p:nvPr/>
+        </p:nvSpPr>
+        <p:spPr>
+          <a:xfrm>
+            <a:off x="838200" y="1943101"/>
+            <a:ext cx="16687800" cy="6629400"/>
+          </a:xfrm>
+          <a:custGeom>
+            <a:avLst/>
+            <a:gdLst/>
+            <a:ahLst/>
+            <a:cxnLst/>
+            <a:rect l="l" t="t" r="r" b="b"/>
+            <a:pathLst>
+              <a:path w="8507094" h="2987040">
+                <a:moveTo>
+                  <a:pt x="8009128" y="0"/>
+                </a:moveTo>
+                <a:lnTo>
+                  <a:pt x="0" y="0"/>
+                </a:lnTo>
+                <a:lnTo>
+                  <a:pt x="0" y="2987040"/>
+                </a:lnTo>
+                <a:lnTo>
+                  <a:pt x="8009128" y="2987040"/>
+                </a:lnTo>
+                <a:lnTo>
+                  <a:pt x="8057074" y="2984761"/>
+                </a:lnTo>
+                <a:lnTo>
+                  <a:pt x="8103730" y="2978063"/>
+                </a:lnTo>
+                <a:lnTo>
+                  <a:pt x="8148889" y="2967155"/>
+                </a:lnTo>
+                <a:lnTo>
+                  <a:pt x="8192340" y="2952246"/>
+                </a:lnTo>
+                <a:lnTo>
+                  <a:pt x="8233876" y="2933543"/>
+                </a:lnTo>
+                <a:lnTo>
+                  <a:pt x="8273288" y="2911257"/>
+                </a:lnTo>
+                <a:lnTo>
+                  <a:pt x="8310367" y="2885594"/>
+                </a:lnTo>
+                <a:lnTo>
+                  <a:pt x="8344905" y="2856765"/>
+                </a:lnTo>
+                <a:lnTo>
+                  <a:pt x="8376693" y="2824977"/>
+                </a:lnTo>
+                <a:lnTo>
+                  <a:pt x="8405522" y="2790439"/>
+                </a:lnTo>
+                <a:lnTo>
+                  <a:pt x="8431185" y="2753360"/>
+                </a:lnTo>
+                <a:lnTo>
+                  <a:pt x="8453471" y="2713948"/>
+                </a:lnTo>
+                <a:lnTo>
+                  <a:pt x="8472174" y="2672412"/>
+                </a:lnTo>
+                <a:lnTo>
+                  <a:pt x="8487083" y="2628961"/>
+                </a:lnTo>
+                <a:lnTo>
+                  <a:pt x="8497991" y="2583802"/>
+                </a:lnTo>
+                <a:lnTo>
+                  <a:pt x="8504689" y="2537146"/>
+                </a:lnTo>
+                <a:lnTo>
+                  <a:pt x="8506968" y="2489200"/>
+                </a:lnTo>
+                <a:lnTo>
+                  <a:pt x="8506968" y="497840"/>
+                </a:lnTo>
+                <a:lnTo>
+                  <a:pt x="8504689" y="449893"/>
+                </a:lnTo>
+                <a:lnTo>
+                  <a:pt x="8497991" y="403237"/>
+                </a:lnTo>
+                <a:lnTo>
+                  <a:pt x="8487083" y="358078"/>
+                </a:lnTo>
+                <a:lnTo>
+                  <a:pt x="8472174" y="314627"/>
+                </a:lnTo>
+                <a:lnTo>
+                  <a:pt x="8453471" y="273091"/>
+                </a:lnTo>
+                <a:lnTo>
+                  <a:pt x="8431185" y="233679"/>
+                </a:lnTo>
+                <a:lnTo>
+                  <a:pt x="8405522" y="196600"/>
+                </a:lnTo>
+                <a:lnTo>
+                  <a:pt x="8376693" y="162062"/>
+                </a:lnTo>
+                <a:lnTo>
+                  <a:pt x="8344905" y="130274"/>
+                </a:lnTo>
+                <a:lnTo>
+                  <a:pt x="8310367" y="101445"/>
+                </a:lnTo>
+                <a:lnTo>
+                  <a:pt x="8273288" y="75782"/>
+                </a:lnTo>
+                <a:lnTo>
+                  <a:pt x="8233876" y="53496"/>
+                </a:lnTo>
+                <a:lnTo>
+                  <a:pt x="8192340" y="34793"/>
+                </a:lnTo>
+                <a:lnTo>
+                  <a:pt x="8148889" y="19884"/>
+                </a:lnTo>
+                <a:lnTo>
+                  <a:pt x="8103730" y="8976"/>
+                </a:lnTo>
+                <a:lnTo>
+                  <a:pt x="8057074" y="2278"/>
+                </a:lnTo>
+                <a:lnTo>
+                  <a:pt x="8009128" y="0"/>
+                </a:lnTo>
+                <a:close/>
+              </a:path>
+            </a:pathLst>
+          </a:custGeom>
+        </p:spPr>
+        <p:style>
+          <a:lnRef idx="2">
+            <a:schemeClr val="accent3"/>
+          </a:lnRef>
+          <a:fillRef idx="1">
+            <a:schemeClr val="lt1"/>
+          </a:fillRef>
+          <a:effectRef idx="0">
+            <a:schemeClr val="accent3"/>
+          </a:effectRef>
+          <a:fontRef idx="minor">
+            <a:schemeClr val="dk1"/>
+          </a:fontRef>
+        </p:style>
+        <p:txBody>
+          <a:bodyPr wrap="square" lIns="0" tIns="0" rIns="0" bIns="0" rtlCol="0"/>
+          <a:lstStyle/>
+          <a:p>
+            <a:endParaRPr/>
+          </a:p>
+        </p:txBody>
+      </p:sp>
+      <p:sp>
+        <p:nvSpPr>
+          <p:cNvPr id="5" name="object 28"/>
+          <p:cNvSpPr txBox="1">
+            <a:spLocks/>
+          </p:cNvSpPr>
+          <p:nvPr/>
+        </p:nvSpPr>
+        <p:spPr>
+          <a:xfrm>
+            <a:off x="838200" y="722256"/>
+            <a:ext cx="13715899" cy="943848"/>
+          </a:xfrm>
+          <a:prstGeom prst="rect">
+            <a:avLst/>
+          </a:prstGeom>
+        </p:spPr>
+        <p:txBody>
+          <a:bodyPr vert="horz" wrap="square" lIns="0" tIns="12700" rIns="0" bIns="0" rtlCol="0">
+            <a:spAutoFit/>
+          </a:bodyPr>
+          <a:lstStyle>
+            <a:lvl1pPr>
+              <a:defRPr sz="12200" b="0" i="0">
+                <a:solidFill>
+                  <a:schemeClr val="bg1"/>
+                </a:solidFill>
+                <a:latin typeface="Lucida Sans Unicode"/>
+                <a:ea typeface="+mj-ea"/>
+                <a:cs typeface="Lucida Sans Unicode"/>
+              </a:defRPr>
+            </a:lvl1pPr>
+          </a:lstStyle>
+          <a:p>
+            <a:pPr marL="12700">
+              <a:spcBef>
+                <a:spcPts val="100"/>
+              </a:spcBef>
+            </a:pPr>
+            <a:r>
+              <a:rPr lang="pt-BR" sz="6050" b="1" kern="0" spc="270" dirty="0" err="1">
+                <a:solidFill>
+                  <a:srgbClr val="69EB00"/>
+                </a:solidFill>
+                <a:latin typeface="Arial"/>
+                <a:cs typeface="Arial"/>
+              </a:rPr>
+              <a:t>Tipagem</a:t>
+            </a:r>
+            <a:r>
+              <a:rPr lang="pt-BR" sz="6050" b="1" kern="0" spc="270" dirty="0">
+                <a:solidFill>
+                  <a:srgbClr val="69EB00"/>
+                </a:solidFill>
+                <a:latin typeface="Arial"/>
+                <a:cs typeface="Arial"/>
+              </a:rPr>
+              <a:t> de dados:</a:t>
+            </a:r>
+            <a:endParaRPr lang="pt-BR" sz="6050" kern="0" dirty="0">
+              <a:latin typeface="Arial"/>
+              <a:cs typeface="Arial"/>
+            </a:endParaRPr>
+          </a:p>
+        </p:txBody>
+      </p:sp>
+      <p:sp>
+        <p:nvSpPr>
+          <p:cNvPr id="6" name="object 7"/>
+          <p:cNvSpPr txBox="1">
+            <a:spLocks/>
+          </p:cNvSpPr>
+          <p:nvPr/>
+        </p:nvSpPr>
+        <p:spPr>
+          <a:xfrm>
+            <a:off x="1204060" y="2247900"/>
+            <a:ext cx="15559939" cy="3731150"/>
+          </a:xfrm>
+          <a:prstGeom prst="rect">
+            <a:avLst/>
+          </a:prstGeom>
+        </p:spPr>
+        <p:txBody>
+          <a:bodyPr vert="horz" wrap="square" lIns="0" tIns="12065" rIns="0" bIns="0" rtlCol="0">
+            <a:spAutoFit/>
+          </a:bodyPr>
+          <a:lstStyle>
+            <a:lvl1pPr>
+              <a:defRPr sz="12200" b="0" i="0">
+                <a:solidFill>
+                  <a:schemeClr val="bg1"/>
+                </a:solidFill>
+                <a:latin typeface="Lucida Sans Unicode"/>
+                <a:ea typeface="+mj-ea"/>
+                <a:cs typeface="Lucida Sans Unicode"/>
+              </a:defRPr>
+            </a:lvl1pPr>
+          </a:lstStyle>
+          <a:p>
+            <a:pPr marL="584200" indent="-571500" algn="just">
+              <a:spcBef>
+                <a:spcPts val="95"/>
+              </a:spcBef>
+              <a:buFont typeface="Wingdings" panose="05000000000000000000" pitchFamily="2" charset="2"/>
+              <a:buChar char="§"/>
+            </a:pPr>
+            <a:r>
+              <a:rPr lang="pt-BR" sz="4000" b="1" spc="180" dirty="0">
+                <a:solidFill>
+                  <a:srgbClr val="92D050"/>
+                </a:solidFill>
+                <a:latin typeface="Arial"/>
+                <a:cs typeface="Arial"/>
+              </a:rPr>
+              <a:t>Linguagens não </a:t>
+            </a:r>
+            <a:r>
+              <a:rPr lang="pt-BR" sz="4000" b="1" spc="180" dirty="0" err="1">
+                <a:solidFill>
+                  <a:srgbClr val="92D050"/>
+                </a:solidFill>
+                <a:latin typeface="Arial"/>
+                <a:cs typeface="Arial"/>
+              </a:rPr>
+              <a:t>tipadas</a:t>
+            </a:r>
+            <a:r>
+              <a:rPr lang="pt-BR" sz="4000" b="1" spc="180" dirty="0">
+                <a:solidFill>
+                  <a:srgbClr val="92D050"/>
+                </a:solidFill>
+                <a:latin typeface="Arial"/>
+                <a:cs typeface="Arial"/>
+              </a:rPr>
+              <a:t>:</a:t>
+            </a:r>
+            <a:endParaRPr lang="pt-BR" sz="4000" b="1" kern="0" spc="180" dirty="0" smtClean="0">
+              <a:solidFill>
+                <a:schemeClr val="tx1"/>
+              </a:solidFill>
+              <a:latin typeface="Arial"/>
+              <a:cs typeface="Arial"/>
+            </a:endParaRPr>
+          </a:p>
+          <a:p>
+            <a:pPr marL="584200" indent="-571500" algn="just">
+              <a:spcBef>
+                <a:spcPts val="95"/>
+              </a:spcBef>
+              <a:buFont typeface="Wingdings" panose="05000000000000000000" pitchFamily="2" charset="2"/>
+              <a:buChar char="§"/>
+            </a:pPr>
+            <a:r>
+              <a:rPr lang="pt-BR" sz="4000" b="1" kern="0" spc="180" dirty="0">
+                <a:solidFill>
+                  <a:schemeClr val="tx1"/>
+                </a:solidFill>
+                <a:latin typeface="Arial"/>
+                <a:cs typeface="Arial"/>
+              </a:rPr>
+              <a:t>Linguagens não </a:t>
+            </a:r>
+            <a:r>
+              <a:rPr lang="pt-BR" sz="4000" b="1" kern="0" spc="180" dirty="0" err="1">
+                <a:solidFill>
+                  <a:schemeClr val="tx1"/>
+                </a:solidFill>
+                <a:latin typeface="Arial"/>
+                <a:cs typeface="Arial"/>
+              </a:rPr>
+              <a:t>tipadas</a:t>
+            </a:r>
+            <a:r>
+              <a:rPr lang="pt-BR" sz="4000" b="1" kern="0" spc="180" dirty="0">
+                <a:solidFill>
+                  <a:schemeClr val="tx1"/>
+                </a:solidFill>
+                <a:latin typeface="Arial"/>
+                <a:cs typeface="Arial"/>
+              </a:rPr>
+              <a:t>, são aquelas em que existe apenas um tipo genérico ou mesmo nenhum tipo de </a:t>
+            </a:r>
+            <a:r>
+              <a:rPr lang="pt-BR" sz="4000" b="1" kern="0" spc="180" dirty="0" smtClean="0">
+                <a:solidFill>
+                  <a:schemeClr val="tx1"/>
+                </a:solidFill>
+                <a:latin typeface="Arial"/>
+                <a:cs typeface="Arial"/>
+              </a:rPr>
+              <a:t>dados.</a:t>
+            </a:r>
+          </a:p>
+          <a:p>
+            <a:pPr marL="584200" indent="-571500" algn="just">
+              <a:spcBef>
+                <a:spcPts val="95"/>
+              </a:spcBef>
+              <a:buFont typeface="Wingdings" panose="05000000000000000000" pitchFamily="2" charset="2"/>
+              <a:buChar char="§"/>
+            </a:pPr>
+            <a:r>
+              <a:rPr lang="pt-BR" sz="4000" b="1" kern="0" spc="180" dirty="0" smtClean="0">
+                <a:solidFill>
+                  <a:schemeClr val="tx1"/>
+                </a:solidFill>
+                <a:latin typeface="Arial"/>
+                <a:cs typeface="Arial"/>
+              </a:rPr>
+              <a:t>Exemplos: </a:t>
+            </a:r>
+            <a:r>
+              <a:rPr lang="pt-BR" sz="4000" b="1" kern="0" spc="180" dirty="0">
+                <a:solidFill>
+                  <a:schemeClr val="tx1"/>
+                </a:solidFill>
+                <a:latin typeface="Arial"/>
+                <a:cs typeface="Arial"/>
+              </a:rPr>
+              <a:t>Linguagem de montagem ou Assembly, BCPL, </a:t>
+            </a:r>
+            <a:r>
+              <a:rPr lang="pt-BR" sz="4000" b="1" kern="0" spc="180" dirty="0" smtClean="0">
+                <a:solidFill>
+                  <a:schemeClr val="tx1"/>
+                </a:solidFill>
+                <a:latin typeface="Arial"/>
+                <a:cs typeface="Arial"/>
+              </a:rPr>
+              <a:t>Perl, etc...</a:t>
+            </a:r>
+            <a:endParaRPr lang="pt-BR" sz="4000" b="1" kern="0" spc="180" dirty="0">
+              <a:solidFill>
+                <a:schemeClr val="tx1"/>
+              </a:solidFill>
+              <a:latin typeface="Arial"/>
+              <a:cs typeface="Arial"/>
+            </a:endParaRPr>
+          </a:p>
+        </p:txBody>
+      </p:sp>
+    </p:spTree>
+    <p:extLst>
+      <p:ext uri="{BB962C8B-B14F-4D97-AF65-F5344CB8AC3E}">
+        <p14:creationId xmlns:p14="http://schemas.microsoft.com/office/powerpoint/2010/main" val="3367103014"/>
+      </p:ext>
+    </p:extLst>
+  </p:cSld>
+  <p:clrMapOvr>
+    <a:masterClrMapping/>
+  </p:clrMapOvr>
+  <p:timing>
+    <p:tnLst>
+      <p:par>
+        <p:cTn id="1" dur="indefinite" restart="never" nodeType="tmRoot"/>
+      </p:par>
+    </p:tnLst>
+  </p:timing>
+</p:sld>
+</file>
+
+<file path=ppt/slides/slide16.xml><?xml version="1.0" encoding="utf-8"?>
+<p:sld xmlns:a="http://schemas.openxmlformats.org/drawingml/2006/main" xmlns:r="http://schemas.openxmlformats.org/officeDocument/2006/relationships" xmlns:p="http://schemas.openxmlformats.org/presentationml/2006/main">
+  <p:cSld>
+    <p:spTree>
+      <p:nvGrpSpPr>
+        <p:cNvPr id="1" name=""/>
+        <p:cNvGrpSpPr/>
+        <p:nvPr/>
+      </p:nvGrpSpPr>
+      <p:grpSpPr>
+        <a:xfrm>
+          <a:off x="0" y="0"/>
+          <a:ext cx="0" cy="0"/>
+          <a:chOff x="0" y="0"/>
+          <a:chExt cx="0" cy="0"/>
+        </a:xfrm>
+      </p:grpSpPr>
+      <p:sp>
+        <p:nvSpPr>
           <p:cNvPr id="2" name="object 2"/>
           <p:cNvSpPr txBox="1">
             <a:spLocks noGrp="1"/>
@@ -2691,7 +5179,7 @@
         </p:nvSpPr>
         <p:spPr>
           <a:xfrm>
-            <a:off x="1219301" y="706068"/>
+            <a:off x="838200" y="706068"/>
             <a:ext cx="13715899" cy="943848"/>
           </a:xfrm>
           <a:prstGeom prst="rect">
@@ -2721,36 +5209,137 @@
               </a:spcBef>
             </a:pPr>
             <a:r>
-              <a:rPr lang="pt-BR" sz="6050" b="1" kern="0" spc="270" dirty="0">
+              <a:rPr lang="pt-BR" sz="6050" b="1" kern="0" spc="270" dirty="0" smtClean="0">
                 <a:solidFill>
                   <a:srgbClr val="69EB00"/>
                 </a:solidFill>
                 <a:latin typeface="Arial"/>
                 <a:cs typeface="Arial"/>
               </a:rPr>
-              <a:t>C# </a:t>
-            </a:r>
-            <a:r>
-              <a:rPr lang="pt-BR" sz="6050" b="1" kern="0" spc="270" dirty="0" smtClean="0">
-                <a:solidFill>
-                  <a:srgbClr val="69EB00"/>
-                </a:solidFill>
-                <a:latin typeface="Arial"/>
-                <a:cs typeface="Arial"/>
-              </a:rPr>
-              <a:t>Fundamentals </a:t>
-            </a:r>
-            <a:r>
-              <a:rPr lang="pt-BR" sz="6050" b="1" spc="345" dirty="0" smtClean="0">
-                <a:latin typeface="Arial"/>
-                <a:cs typeface="Arial"/>
-              </a:rPr>
-              <a:t>Início</a:t>
+              <a:t>Apresentação:</a:t>
             </a:r>
             <a:endParaRPr lang="pt-BR" sz="6050" kern="0" dirty="0">
               <a:latin typeface="Arial"/>
               <a:cs typeface="Arial"/>
             </a:endParaRPr>
+          </a:p>
+        </p:txBody>
+      </p:sp>
+      <p:sp>
+        <p:nvSpPr>
+          <p:cNvPr id="5" name="object 7"/>
+          <p:cNvSpPr txBox="1">
+            <a:spLocks/>
+          </p:cNvSpPr>
+          <p:nvPr/>
+        </p:nvSpPr>
+        <p:spPr>
+          <a:xfrm>
+            <a:off x="1179677" y="2247900"/>
+            <a:ext cx="15559939" cy="3128421"/>
+          </a:xfrm>
+          <a:prstGeom prst="rect">
+            <a:avLst/>
+          </a:prstGeom>
+        </p:spPr>
+        <p:txBody>
+          <a:bodyPr vert="horz" wrap="square" lIns="0" tIns="12065" rIns="0" bIns="0" rtlCol="0">
+            <a:spAutoFit/>
+          </a:bodyPr>
+          <a:lstStyle>
+            <a:lvl1pPr>
+              <a:defRPr sz="12200" b="0" i="0">
+                <a:solidFill>
+                  <a:schemeClr val="bg1"/>
+                </a:solidFill>
+                <a:latin typeface="Lucida Sans Unicode"/>
+                <a:ea typeface="+mj-ea"/>
+                <a:cs typeface="Lucida Sans Unicode"/>
+              </a:defRPr>
+            </a:lvl1pPr>
+          </a:lstStyle>
+          <a:p>
+            <a:pPr marL="584200" indent="-571500" algn="just">
+              <a:spcBef>
+                <a:spcPts val="95"/>
+              </a:spcBef>
+              <a:buFont typeface="Wingdings" panose="05000000000000000000" pitchFamily="2" charset="2"/>
+              <a:buChar char="§"/>
+            </a:pPr>
+            <a:r>
+              <a:rPr lang="pt-BR" sz="4000" b="1" kern="0" spc="180" dirty="0" smtClean="0">
+                <a:solidFill>
+                  <a:schemeClr val="tx1"/>
+                </a:solidFill>
+                <a:latin typeface="Arial"/>
+                <a:cs typeface="Arial"/>
+              </a:rPr>
+              <a:t>Conteúdo: Fundamentos de C#.</a:t>
+            </a:r>
+            <a:endParaRPr lang="pt-BR" sz="4000" b="1" kern="0" spc="180" dirty="0">
+              <a:solidFill>
+                <a:schemeClr val="tx1"/>
+              </a:solidFill>
+              <a:latin typeface="Arial"/>
+              <a:cs typeface="Arial"/>
+            </a:endParaRPr>
+          </a:p>
+          <a:p>
+            <a:pPr marL="584200" indent="-571500" algn="just">
+              <a:spcBef>
+                <a:spcPts val="95"/>
+              </a:spcBef>
+              <a:buFont typeface="Wingdings" panose="05000000000000000000" pitchFamily="2" charset="2"/>
+              <a:buChar char="§"/>
+            </a:pPr>
+            <a:r>
+              <a:rPr lang="pt-BR" sz="4000" b="1" kern="0" spc="180" dirty="0" smtClean="0">
+                <a:solidFill>
+                  <a:schemeClr val="tx1"/>
+                </a:solidFill>
+                <a:latin typeface="Arial"/>
+                <a:cs typeface="Arial"/>
+              </a:rPr>
+              <a:t>Teremos uma abordagem teórica e prática.</a:t>
+            </a:r>
+          </a:p>
+          <a:p>
+            <a:pPr marL="584200" indent="-571500" algn="just">
+              <a:spcBef>
+                <a:spcPts val="95"/>
+              </a:spcBef>
+              <a:buFont typeface="Wingdings" panose="05000000000000000000" pitchFamily="2" charset="2"/>
+              <a:buChar char="§"/>
+            </a:pPr>
+            <a:r>
+              <a:rPr lang="pt-BR" sz="4000" b="1" kern="0" spc="180" dirty="0" smtClean="0">
+                <a:solidFill>
+                  <a:schemeClr val="tx1"/>
+                </a:solidFill>
+                <a:latin typeface="Arial"/>
+                <a:cs typeface="Arial"/>
+              </a:rPr>
+              <a:t>Será cedido slides contendo exemplos teóricos e links para documentações oficiais.</a:t>
+            </a:r>
+          </a:p>
+          <a:p>
+            <a:pPr marL="584200" indent="-571500" algn="just">
+              <a:spcBef>
+                <a:spcPts val="95"/>
+              </a:spcBef>
+              <a:buFont typeface="Wingdings" panose="05000000000000000000" pitchFamily="2" charset="2"/>
+              <a:buChar char="§"/>
+            </a:pPr>
+            <a:r>
+              <a:rPr lang="pt-BR" sz="4000" b="1" kern="0" spc="180" dirty="0" smtClean="0">
+                <a:solidFill>
+                  <a:schemeClr val="tx1"/>
+                </a:solidFill>
+                <a:latin typeface="Arial"/>
+                <a:cs typeface="Arial"/>
+              </a:rPr>
+              <a:t>Será cedido exemplos de código fonte.</a:t>
+            </a:r>
           </a:p>
         </p:txBody>
       </p:sp>
@@ -2796,7 +5385,7 @@
         </p:nvSpPr>
         <p:spPr>
           <a:xfrm>
-            <a:off x="1219301" y="706068"/>
+            <a:off x="838200" y="710064"/>
             <a:ext cx="13715899" cy="943848"/>
           </a:xfrm>
           <a:prstGeom prst="rect">
@@ -2833,7 +5422,7 @@
                 <a:latin typeface="Arial"/>
                 <a:cs typeface="Arial"/>
               </a:rPr>
-              <a:t>C# </a:t>
+              <a:t>Linguagens de </a:t>
             </a:r>
             <a:r>
               <a:rPr lang="pt-BR" sz="6050" b="1" kern="0" spc="270" dirty="0" smtClean="0">
@@ -2843,14 +5432,7 @@
                 <a:latin typeface="Arial"/>
                 <a:cs typeface="Arial"/>
               </a:rPr>
-              <a:t>Fundamentals </a:t>
-            </a:r>
-            <a:r>
-              <a:rPr lang="pt-BR" sz="6050" b="1" spc="345" dirty="0" smtClean="0">
-                <a:latin typeface="Arial"/>
-                <a:cs typeface="Arial"/>
-              </a:rPr>
-              <a:t>Início</a:t>
+              <a:t>programação:</a:t>
             </a:r>
             <a:endParaRPr lang="pt-BR" sz="6050" kern="0" dirty="0">
               <a:latin typeface="Arial"/>
@@ -3018,7 +5600,114 @@
           <a:bodyPr wrap="square" lIns="0" tIns="0" rIns="0" bIns="0" rtlCol="0"/>
           <a:lstStyle/>
           <a:p>
-            <a:endParaRPr/>
+            <a:endParaRPr dirty="0"/>
+          </a:p>
+        </p:txBody>
+      </p:sp>
+      <p:sp>
+        <p:nvSpPr>
+          <p:cNvPr id="9" name="object 7"/>
+          <p:cNvSpPr txBox="1">
+            <a:spLocks/>
+          </p:cNvSpPr>
+          <p:nvPr/>
+        </p:nvSpPr>
+        <p:spPr>
+          <a:xfrm>
+            <a:off x="1204061" y="2247900"/>
+            <a:ext cx="15559939" cy="4949432"/>
+          </a:xfrm>
+          <a:prstGeom prst="rect">
+            <a:avLst/>
+          </a:prstGeom>
+        </p:spPr>
+        <p:txBody>
+          <a:bodyPr vert="horz" wrap="square" lIns="0" tIns="12065" rIns="0" bIns="0" rtlCol="0">
+            <a:spAutoFit/>
+          </a:bodyPr>
+          <a:lstStyle>
+            <a:lvl1pPr>
+              <a:defRPr sz="12200" b="0" i="0">
+                <a:solidFill>
+                  <a:schemeClr val="bg1"/>
+                </a:solidFill>
+                <a:latin typeface="Lucida Sans Unicode"/>
+                <a:ea typeface="+mj-ea"/>
+                <a:cs typeface="Lucida Sans Unicode"/>
+              </a:defRPr>
+            </a:lvl1pPr>
+          </a:lstStyle>
+          <a:p>
+            <a:pPr marL="869950" indent="-857250" algn="just">
+              <a:spcBef>
+                <a:spcPts val="95"/>
+              </a:spcBef>
+              <a:buFont typeface="Wingdings" panose="05000000000000000000" pitchFamily="2" charset="2"/>
+              <a:buChar char="§"/>
+            </a:pPr>
+            <a:r>
+              <a:rPr lang="pt-BR" sz="4000" b="1" kern="0" spc="180" dirty="0">
+                <a:solidFill>
+                  <a:schemeClr val="tx1"/>
+                </a:solidFill>
+                <a:latin typeface="Arial"/>
+                <a:cs typeface="Arial"/>
+              </a:rPr>
+              <a:t>É uma linguagem formal que, através de uma série de instruções, permite que um programador escreva um conjunto de ordens, ações consecutivas, dados e algoritmos para criar programas que controlam o comportamento físico e lógico de uma máquina</a:t>
+            </a:r>
+            <a:r>
+              <a:rPr lang="pt-BR" sz="4000" b="1" kern="0" spc="180" dirty="0" smtClean="0">
+                <a:solidFill>
+                  <a:schemeClr val="tx1"/>
+                </a:solidFill>
+                <a:latin typeface="Arial"/>
+                <a:cs typeface="Arial"/>
+              </a:rPr>
+              <a:t>.</a:t>
+            </a:r>
+            <a:endParaRPr lang="pt-BR" sz="4000" b="1" kern="0" spc="180" dirty="0">
+              <a:solidFill>
+                <a:schemeClr val="tx1"/>
+              </a:solidFill>
+              <a:latin typeface="Arial"/>
+              <a:cs typeface="Arial"/>
+            </a:endParaRPr>
+          </a:p>
+          <a:p>
+            <a:pPr marL="869950" indent="-857250" algn="just">
+              <a:spcBef>
+                <a:spcPts val="95"/>
+              </a:spcBef>
+              <a:buFont typeface="Wingdings" panose="05000000000000000000" pitchFamily="2" charset="2"/>
+              <a:buChar char="§"/>
+            </a:pPr>
+            <a:r>
+              <a:rPr lang="pt-BR" sz="4000" b="1" kern="0" spc="180" dirty="0">
+                <a:solidFill>
+                  <a:schemeClr val="tx1"/>
+                </a:solidFill>
+                <a:latin typeface="Arial"/>
+                <a:cs typeface="Arial"/>
+              </a:rPr>
+              <a:t>Programador e máquina se comunicam por meio dessa linguagem, permitindo especificar, com precisão, aspectos como</a:t>
+            </a:r>
+            <a:r>
+              <a:rPr lang="pt-BR" sz="4000" b="1" kern="0" spc="180" dirty="0" smtClean="0">
+                <a:solidFill>
+                  <a:schemeClr val="tx1"/>
+                </a:solidFill>
+                <a:latin typeface="Arial"/>
+                <a:cs typeface="Arial"/>
+              </a:rPr>
+              <a:t>:</a:t>
+            </a:r>
+            <a:endParaRPr lang="pt-BR" sz="4000" b="1" kern="0" spc="180" dirty="0">
+              <a:solidFill>
+                <a:schemeClr val="tx1"/>
+              </a:solidFill>
+              <a:latin typeface="Arial"/>
+              <a:cs typeface="Arial"/>
+            </a:endParaRPr>
           </a:p>
         </p:txBody>
       </p:sp>
@@ -3069,7 +5758,7 @@
         </p:nvSpPr>
         <p:spPr>
           <a:xfrm>
-            <a:off x="1219301" y="706068"/>
+            <a:off x="838200" y="710064"/>
             <a:ext cx="13715899" cy="943848"/>
           </a:xfrm>
           <a:prstGeom prst="rect">
@@ -3106,24 +5795,7 @@
                 <a:latin typeface="Arial"/>
                 <a:cs typeface="Arial"/>
               </a:rPr>
-              <a:t>C# </a:t>
-            </a:r>
-            <a:r>
-              <a:rPr lang="pt-BR" sz="6050" b="1" kern="0" spc="270" dirty="0" smtClean="0">
-                <a:solidFill>
-                  <a:srgbClr val="69EB00"/>
-                </a:solidFill>
-                <a:latin typeface="Arial"/>
-                <a:cs typeface="Arial"/>
-              </a:rPr>
-              <a:t>Fundamentals </a:t>
-            </a:r>
-            <a:r>
-              <a:rPr lang="pt-BR" sz="6050" b="1" spc="345" dirty="0" smtClean="0">
-                <a:latin typeface="Arial"/>
-                <a:cs typeface="Arial"/>
-              </a:rPr>
-              <a:t>Início</a:t>
+              <a:t>Linguagens de programação:</a:t>
             </a:r>
             <a:endParaRPr lang="pt-BR" sz="6050" kern="0" dirty="0">
               <a:latin typeface="Arial"/>
@@ -3292,6 +5964,177 @@
           <a:lstStyle/>
           <a:p>
             <a:endParaRPr/>
+          </a:p>
+        </p:txBody>
+      </p:sp>
+      <p:sp>
+        <p:nvSpPr>
+          <p:cNvPr id="4" name="object 7"/>
+          <p:cNvSpPr txBox="1">
+            <a:spLocks/>
+          </p:cNvSpPr>
+          <p:nvPr/>
+        </p:nvSpPr>
+        <p:spPr>
+          <a:xfrm>
+            <a:off x="1228445" y="2095500"/>
+            <a:ext cx="15559939" cy="6206186"/>
+          </a:xfrm>
+          <a:prstGeom prst="rect">
+            <a:avLst/>
+          </a:prstGeom>
+        </p:spPr>
+        <p:txBody>
+          <a:bodyPr vert="horz" wrap="square" lIns="0" tIns="12065" rIns="0" bIns="0" rtlCol="0">
+            <a:spAutoFit/>
+          </a:bodyPr>
+          <a:lstStyle>
+            <a:lvl1pPr>
+              <a:defRPr sz="12200" b="0" i="0">
+                <a:solidFill>
+                  <a:schemeClr val="bg1"/>
+                </a:solidFill>
+                <a:latin typeface="Lucida Sans Unicode"/>
+                <a:ea typeface="+mj-ea"/>
+                <a:cs typeface="Lucida Sans Unicode"/>
+              </a:defRPr>
+            </a:lvl1pPr>
+          </a:lstStyle>
+          <a:p>
+            <a:pPr marL="869950" indent="-857250" algn="just">
+              <a:spcBef>
+                <a:spcPts val="95"/>
+              </a:spcBef>
+              <a:buFont typeface="Wingdings" panose="05000000000000000000" pitchFamily="2" charset="2"/>
+              <a:buChar char="ü"/>
+            </a:pPr>
+            <a:r>
+              <a:rPr lang="pt-BR" sz="4000" b="1" kern="0" spc="180" dirty="0" smtClean="0">
+                <a:solidFill>
+                  <a:schemeClr val="tx1"/>
+                </a:solidFill>
+                <a:latin typeface="Arial"/>
+                <a:cs typeface="Arial"/>
+              </a:rPr>
+              <a:t>Quais </a:t>
+            </a:r>
+            <a:r>
+              <a:rPr lang="pt-BR" sz="4000" b="1" kern="0" spc="180" dirty="0">
+                <a:solidFill>
+                  <a:schemeClr val="tx1"/>
+                </a:solidFill>
+                <a:latin typeface="Arial"/>
+                <a:cs typeface="Arial"/>
+              </a:rPr>
+              <a:t>dados um software deve operar;</a:t>
+            </a:r>
+          </a:p>
+          <a:p>
+            <a:pPr marL="869950" indent="-857250" algn="just">
+              <a:spcBef>
+                <a:spcPts val="95"/>
+              </a:spcBef>
+              <a:buFont typeface="Wingdings" panose="05000000000000000000" pitchFamily="2" charset="2"/>
+              <a:buChar char="ü"/>
+            </a:pPr>
+            <a:r>
+              <a:rPr lang="pt-BR" sz="4000" b="1" kern="0" spc="180" dirty="0">
+                <a:solidFill>
+                  <a:schemeClr val="tx1"/>
+                </a:solidFill>
+                <a:latin typeface="Arial"/>
+                <a:cs typeface="Arial"/>
+              </a:rPr>
+              <a:t>C</a:t>
+            </a:r>
+            <a:r>
+              <a:rPr lang="pt-BR" sz="4000" b="1" kern="0" spc="180" dirty="0" smtClean="0">
+                <a:solidFill>
+                  <a:schemeClr val="tx1"/>
+                </a:solidFill>
+                <a:latin typeface="Arial"/>
+                <a:cs typeface="Arial"/>
+              </a:rPr>
+              <a:t>omo </a:t>
+            </a:r>
+            <a:r>
+              <a:rPr lang="pt-BR" sz="4000" b="1" kern="0" spc="180" dirty="0">
+                <a:solidFill>
+                  <a:schemeClr val="tx1"/>
+                </a:solidFill>
+                <a:latin typeface="Arial"/>
+                <a:cs typeface="Arial"/>
+              </a:rPr>
+              <a:t>esses dados devem ser armazenados ou transmitidos;</a:t>
+            </a:r>
+          </a:p>
+          <a:p>
+            <a:pPr marL="869950" indent="-857250" algn="just">
+              <a:spcBef>
+                <a:spcPts val="95"/>
+              </a:spcBef>
+              <a:buFont typeface="Wingdings" panose="05000000000000000000" pitchFamily="2" charset="2"/>
+              <a:buChar char="ü"/>
+            </a:pPr>
+            <a:r>
+              <a:rPr lang="pt-BR" sz="4000" b="1" kern="0" spc="180" dirty="0" smtClean="0">
+                <a:solidFill>
+                  <a:schemeClr val="tx1"/>
+                </a:solidFill>
+                <a:latin typeface="Arial"/>
+                <a:cs typeface="Arial"/>
+              </a:rPr>
+              <a:t>Quais </a:t>
+            </a:r>
+            <a:r>
+              <a:rPr lang="pt-BR" sz="4000" b="1" kern="0" spc="180" dirty="0">
+                <a:solidFill>
+                  <a:schemeClr val="tx1"/>
+                </a:solidFill>
+                <a:latin typeface="Arial"/>
+                <a:cs typeface="Arial"/>
+              </a:rPr>
+              <a:t>ações o software deve executar, de acordo com cada circunstância variável.</a:t>
+            </a:r>
+          </a:p>
+          <a:p>
+            <a:pPr marL="869950" indent="-857250" algn="just">
+              <a:spcBef>
+                <a:spcPts val="95"/>
+              </a:spcBef>
+              <a:buFont typeface="Wingdings" panose="05000000000000000000" pitchFamily="2" charset="2"/>
+              <a:buChar char="ü"/>
+            </a:pPr>
+            <a:r>
+              <a:rPr lang="pt-BR" sz="4000" b="1" kern="0" spc="180" dirty="0">
+                <a:solidFill>
+                  <a:schemeClr val="tx1"/>
+                </a:solidFill>
+                <a:latin typeface="Arial"/>
+                <a:cs typeface="Arial"/>
+              </a:rPr>
+              <a:t>Para explicar </a:t>
+            </a:r>
+            <a:r>
+              <a:rPr lang="pt-BR" sz="4000" b="1" kern="0" spc="180" dirty="0" smtClean="0">
+                <a:solidFill>
+                  <a:schemeClr val="tx1"/>
+                </a:solidFill>
+                <a:latin typeface="Arial"/>
+                <a:cs typeface="Arial"/>
+              </a:rPr>
+              <a:t>melhor, a </a:t>
+            </a:r>
+            <a:r>
+              <a:rPr lang="pt-BR" sz="4000" b="1" kern="0" spc="180" dirty="0">
+                <a:solidFill>
+                  <a:schemeClr val="tx1"/>
+                </a:solidFill>
+                <a:latin typeface="Arial"/>
+                <a:cs typeface="Arial"/>
+              </a:rPr>
+              <a:t>linguagem de programação é um sistema de comunicação estruturado, composto por conjuntos de símbolos, palavras-chave, regras semânticas e sintáticas que permitem o entendimento entre um programador e uma máquina.</a:t>
+            </a:r>
           </a:p>
         </p:txBody>
       </p:sp>
@@ -3337,7 +6180,7 @@
         </p:nvSpPr>
         <p:spPr>
           <a:xfrm>
-            <a:off x="1219301" y="706068"/>
+            <a:off x="838200" y="706068"/>
             <a:ext cx="13715899" cy="943848"/>
           </a:xfrm>
           <a:prstGeom prst="rect">
@@ -3374,24 +6217,7 @@
                 <a:latin typeface="Arial"/>
                 <a:cs typeface="Arial"/>
               </a:rPr>
-              <a:t>C# </a:t>
-            </a:r>
-            <a:r>
-              <a:rPr lang="pt-BR" sz="6050" b="1" kern="0" spc="270" dirty="0" smtClean="0">
-                <a:solidFill>
-                  <a:srgbClr val="69EB00"/>
-                </a:solidFill>
-                <a:latin typeface="Arial"/>
-                <a:cs typeface="Arial"/>
-              </a:rPr>
-              <a:t>Fundamentals </a:t>
-            </a:r>
-            <a:r>
-              <a:rPr lang="pt-BR" sz="6050" b="1" spc="345" dirty="0" smtClean="0">
-                <a:latin typeface="Arial"/>
-                <a:cs typeface="Arial"/>
-              </a:rPr>
-              <a:t>Início</a:t>
+              <a:t>Linguagens de programação:</a:t>
             </a:r>
             <a:endParaRPr lang="pt-BR" sz="6050" kern="0" dirty="0">
               <a:latin typeface="Arial"/>
@@ -3563,6 +6389,220 @@
           </a:p>
         </p:txBody>
       </p:sp>
+      <p:sp>
+        <p:nvSpPr>
+          <p:cNvPr id="4" name="object 7"/>
+          <p:cNvSpPr txBox="1">
+            <a:spLocks noGrp="1"/>
+          </p:cNvSpPr>
+          <p:nvPr>
+            <p:ph type="title"/>
+          </p:nvPr>
+        </p:nvSpPr>
+        <p:spPr>
+          <a:xfrm>
+            <a:off x="1204062" y="2185416"/>
+            <a:ext cx="15559938" cy="689291"/>
+          </a:xfrm>
+          <a:prstGeom prst="rect">
+            <a:avLst/>
+          </a:prstGeom>
+        </p:spPr>
+        <p:txBody>
+          <a:bodyPr vert="horz" wrap="square" lIns="0" tIns="12065" rIns="0" bIns="0" rtlCol="0">
+            <a:spAutoFit/>
+          </a:bodyPr>
+          <a:lstStyle/>
+          <a:p>
+            <a:pPr marL="12700" algn="just">
+              <a:lnSpc>
+                <a:spcPct val="100000"/>
+              </a:lnSpc>
+              <a:spcBef>
+                <a:spcPts val="95"/>
+              </a:spcBef>
+            </a:pPr>
+            <a:r>
+              <a:rPr lang="pt-BR" sz="4400" b="1" i="1" spc="180" dirty="0">
+                <a:solidFill>
+                  <a:schemeClr val="tx1"/>
+                </a:solidFill>
+                <a:latin typeface="Arial"/>
+                <a:cs typeface="Arial"/>
+              </a:rPr>
+              <a:t>Que tipos de linguagem de programação existem</a:t>
+            </a:r>
+            <a:r>
+              <a:rPr lang="pt-BR" sz="4400" b="1" i="1" spc="180" dirty="0" smtClean="0">
+                <a:solidFill>
+                  <a:schemeClr val="tx1"/>
+                </a:solidFill>
+                <a:latin typeface="Arial"/>
+                <a:cs typeface="Arial"/>
+              </a:rPr>
+              <a:t>?</a:t>
+            </a:r>
+            <a:endParaRPr sz="4400" i="1" dirty="0">
+              <a:solidFill>
+                <a:schemeClr val="tx1"/>
+              </a:solidFill>
+              <a:latin typeface="Arial"/>
+              <a:cs typeface="Arial"/>
+            </a:endParaRPr>
+          </a:p>
+        </p:txBody>
+      </p:sp>
+      <p:sp>
+        <p:nvSpPr>
+          <p:cNvPr id="5" name="object 7"/>
+          <p:cNvSpPr txBox="1">
+            <a:spLocks/>
+          </p:cNvSpPr>
+          <p:nvPr/>
+        </p:nvSpPr>
+        <p:spPr>
+          <a:xfrm>
+            <a:off x="1204061" y="3018527"/>
+            <a:ext cx="15559939" cy="2474395"/>
+          </a:xfrm>
+          <a:prstGeom prst="rect">
+            <a:avLst/>
+          </a:prstGeom>
+        </p:spPr>
+        <p:txBody>
+          <a:bodyPr vert="horz" wrap="square" lIns="0" tIns="12065" rIns="0" bIns="0" rtlCol="0">
+            <a:spAutoFit/>
+          </a:bodyPr>
+          <a:lstStyle>
+            <a:lvl1pPr>
+              <a:defRPr sz="12200" b="0" i="0">
+                <a:solidFill>
+                  <a:schemeClr val="bg1"/>
+                </a:solidFill>
+                <a:latin typeface="Lucida Sans Unicode"/>
+                <a:ea typeface="+mj-ea"/>
+                <a:cs typeface="Lucida Sans Unicode"/>
+              </a:defRPr>
+            </a:lvl1pPr>
+          </a:lstStyle>
+          <a:p>
+            <a:pPr marL="584200" indent="-571500" algn="just">
+              <a:spcBef>
+                <a:spcPts val="95"/>
+              </a:spcBef>
+              <a:buFont typeface="Wingdings" panose="05000000000000000000" pitchFamily="2" charset="2"/>
+              <a:buChar char="§"/>
+            </a:pPr>
+            <a:r>
+              <a:rPr lang="pt-BR" sz="4000" b="1" kern="0" spc="180" dirty="0">
+                <a:solidFill>
+                  <a:schemeClr val="tx1"/>
+                </a:solidFill>
+                <a:latin typeface="Arial"/>
+                <a:cs typeface="Arial"/>
+              </a:rPr>
+              <a:t>A linguagem de programação é a base para a construção de todos os aplicativos digitais usados ​​no dia a dia e são classificados em dois tipos </a:t>
+            </a:r>
+            <a:r>
+              <a:rPr lang="pt-BR" sz="4000" b="1" kern="0" spc="180" dirty="0" smtClean="0">
+                <a:solidFill>
+                  <a:schemeClr val="tx1"/>
+                </a:solidFill>
+                <a:latin typeface="Arial"/>
+                <a:cs typeface="Arial"/>
+              </a:rPr>
+              <a:t>principais:</a:t>
+            </a:r>
+          </a:p>
+          <a:p>
+            <a:pPr marL="584200" indent="-571500" algn="just">
+              <a:spcBef>
+                <a:spcPts val="95"/>
+              </a:spcBef>
+              <a:buFont typeface="Wingdings" panose="05000000000000000000" pitchFamily="2" charset="2"/>
+              <a:buChar char="§"/>
+            </a:pPr>
+            <a:r>
+              <a:rPr lang="pt-BR" sz="4000" b="1" kern="0" spc="180" dirty="0">
+                <a:solidFill>
+                  <a:schemeClr val="tx1"/>
+                </a:solidFill>
+                <a:latin typeface="Arial"/>
+                <a:cs typeface="Arial"/>
+              </a:rPr>
+              <a:t>L</a:t>
+            </a:r>
+            <a:r>
+              <a:rPr lang="pt-BR" sz="4000" b="1" kern="0" spc="180" dirty="0" smtClean="0">
+                <a:solidFill>
+                  <a:schemeClr val="tx1"/>
+                </a:solidFill>
+                <a:latin typeface="Arial"/>
+                <a:cs typeface="Arial"/>
+              </a:rPr>
+              <a:t>inguagem </a:t>
+            </a:r>
+            <a:r>
+              <a:rPr lang="pt-BR" sz="4000" b="1" kern="0" spc="180" dirty="0">
+                <a:solidFill>
+                  <a:schemeClr val="tx1"/>
+                </a:solidFill>
+                <a:latin typeface="Arial"/>
+                <a:cs typeface="Arial"/>
+              </a:rPr>
+              <a:t>de baixo e alto nível.</a:t>
+            </a:r>
+            <a:endParaRPr lang="pt-BR" sz="4000" b="1" kern="0" spc="180" dirty="0" smtClean="0">
+              <a:solidFill>
+                <a:schemeClr val="tx1"/>
+              </a:solidFill>
+              <a:latin typeface="Arial"/>
+              <a:cs typeface="Arial"/>
+            </a:endParaRPr>
+          </a:p>
+        </p:txBody>
+      </p:sp>
+      <p:pic>
+        <p:nvPicPr>
+          <p:cNvPr id="1028" name="Picture 4" descr="TryHackMe | Intro to x86-64"/>
+          <p:cNvPicPr>
+            <a:picLocks noChangeAspect="1" noChangeArrowheads="1"/>
+          </p:cNvPicPr>
+          <p:nvPr/>
+        </p:nvPicPr>
+        <p:blipFill>
+          <a:blip r:embed="rId2" cstate="print">
+            <a:extLst>
+              <a:ext uri="{28A0092B-C50C-407E-A947-70E740481C1C}">
+                <a14:useLocalDpi xmlns:a14="http://schemas.microsoft.com/office/drawing/2010/main" val="0"/>
+              </a:ext>
+            </a:extLst>
+          </a:blip>
+          <a:srcRect/>
+          <a:stretch>
+            <a:fillRect/>
+          </a:stretch>
+        </p:blipFill>
+        <p:spPr bwMode="auto">
+          <a:xfrm>
+            <a:off x="11125200" y="4837176"/>
+            <a:ext cx="3538728" cy="3538729"/>
+          </a:xfrm>
+          <a:prstGeom prst="rect">
+            <a:avLst/>
+          </a:prstGeom>
+          <a:noFill/>
+          <a:extLst>
+            <a:ext uri="{909E8E84-426E-40DD-AFC4-6F175D3DCCD1}">
+              <a14:hiddenFill xmlns:a14="http://schemas.microsoft.com/office/drawing/2010/main">
+                <a:solidFill>
+                  <a:srgbClr val="FFFFFF"/>
+                </a:solidFill>
+              </a14:hiddenFill>
+            </a:ext>
+          </a:extLst>
+        </p:spPr>
+      </p:pic>
     </p:spTree>
     <p:extLst>
       <p:ext uri="{BB962C8B-B14F-4D97-AF65-F5344CB8AC3E}">
@@ -3610,8 +6650,8 @@
         </p:nvSpPr>
         <p:spPr>
           <a:xfrm>
-            <a:off x="1219301" y="706068"/>
-            <a:ext cx="13715899" cy="943848"/>
+            <a:off x="838200" y="706068"/>
+            <a:ext cx="16687799" cy="751488"/>
           </a:xfrm>
           <a:prstGeom prst="rect">
             <a:avLst/>
@@ -3640,33 +6680,26 @@
               </a:spcBef>
             </a:pPr>
             <a:r>
-              <a:rPr lang="pt-BR" sz="6050" b="1" kern="0" spc="270" dirty="0">
+              <a:rPr lang="pt-BR" sz="4800" b="1" kern="0" spc="270" dirty="0">
                 <a:solidFill>
                   <a:srgbClr val="69EB00"/>
                 </a:solidFill>
                 <a:latin typeface="Arial"/>
                 <a:cs typeface="Arial"/>
               </a:rPr>
-              <a:t>C# </a:t>
-            </a:r>
-            <a:r>
-              <a:rPr lang="pt-BR" sz="6050" b="1" kern="0" spc="270" dirty="0" smtClean="0">
+              <a:t>Linguagem de programação de baixo </a:t>
+            </a:r>
+            <a:r>
+              <a:rPr lang="pt-BR" sz="4800" b="1" kern="0" spc="270" dirty="0" smtClean="0">
                 <a:solidFill>
                   <a:srgbClr val="69EB00"/>
                 </a:solidFill>
                 <a:latin typeface="Arial"/>
                 <a:cs typeface="Arial"/>
               </a:rPr>
-              <a:t>Fundamentals </a:t>
-            </a:r>
-            <a:r>
-              <a:rPr lang="pt-BR" sz="6050" b="1" spc="345" dirty="0" smtClean="0">
-                <a:latin typeface="Arial"/>
-                <a:cs typeface="Arial"/>
-              </a:rPr>
-              <a:t>Início</a:t>
-            </a:r>
-            <a:endParaRPr lang="pt-BR" sz="6050" kern="0" dirty="0">
+              <a:t>nível:</a:t>
+            </a:r>
+            <a:endParaRPr lang="pt-BR" sz="4800" kern="0" dirty="0">
               <a:latin typeface="Arial"/>
               <a:cs typeface="Arial"/>
             </a:endParaRPr>
@@ -3833,6 +6866,142 @@
           <a:lstStyle/>
           <a:p>
             <a:endParaRPr/>
+          </a:p>
+        </p:txBody>
+      </p:sp>
+      <p:sp>
+        <p:nvSpPr>
+          <p:cNvPr id="5" name="object 7"/>
+          <p:cNvSpPr txBox="1">
+            <a:spLocks/>
+          </p:cNvSpPr>
+          <p:nvPr/>
+        </p:nvSpPr>
+        <p:spPr>
+          <a:xfrm>
+            <a:off x="1204060" y="2171700"/>
+            <a:ext cx="15559939" cy="5577809"/>
+          </a:xfrm>
+          <a:prstGeom prst="rect">
+            <a:avLst/>
+          </a:prstGeom>
+        </p:spPr>
+        <p:txBody>
+          <a:bodyPr vert="horz" wrap="square" lIns="0" tIns="12065" rIns="0" bIns="0" rtlCol="0">
+            <a:spAutoFit/>
+          </a:bodyPr>
+          <a:lstStyle>
+            <a:lvl1pPr>
+              <a:defRPr sz="12200" b="0" i="0">
+                <a:solidFill>
+                  <a:schemeClr val="bg1"/>
+                </a:solidFill>
+                <a:latin typeface="Lucida Sans Unicode"/>
+                <a:ea typeface="+mj-ea"/>
+                <a:cs typeface="Lucida Sans Unicode"/>
+              </a:defRPr>
+            </a:lvl1pPr>
+          </a:lstStyle>
+          <a:p>
+            <a:pPr marL="584200" indent="-571500" algn="just">
+              <a:spcBef>
+                <a:spcPts val="95"/>
+              </a:spcBef>
+              <a:buFont typeface="Wingdings" panose="05000000000000000000" pitchFamily="2" charset="2"/>
+              <a:buChar char="§"/>
+            </a:pPr>
+            <a:r>
+              <a:rPr lang="pt-BR" sz="4000" b="1" kern="0" spc="180" dirty="0">
+                <a:solidFill>
+                  <a:schemeClr val="tx1"/>
+                </a:solidFill>
+                <a:latin typeface="Arial"/>
+                <a:cs typeface="Arial"/>
+              </a:rPr>
+              <a:t>São linguagens totalmente orientadas à máquina. Esse idioma serve como uma interface e cria um link inseparável entre hardware e software</a:t>
+            </a:r>
+            <a:r>
+              <a:rPr lang="pt-BR" sz="4000" b="1" kern="0" spc="180" dirty="0" smtClean="0">
+                <a:solidFill>
+                  <a:schemeClr val="tx1"/>
+                </a:solidFill>
+                <a:latin typeface="Arial"/>
+                <a:cs typeface="Arial"/>
+              </a:rPr>
+              <a:t>.</a:t>
+            </a:r>
+            <a:endParaRPr lang="pt-BR" sz="4000" b="1" kern="0" spc="180" dirty="0">
+              <a:solidFill>
+                <a:schemeClr val="tx1"/>
+              </a:solidFill>
+              <a:latin typeface="Arial"/>
+              <a:cs typeface="Arial"/>
+            </a:endParaRPr>
+          </a:p>
+          <a:p>
+            <a:pPr marL="584200" indent="-571500" algn="just">
+              <a:spcBef>
+                <a:spcPts val="95"/>
+              </a:spcBef>
+              <a:buFont typeface="Wingdings" panose="05000000000000000000" pitchFamily="2" charset="2"/>
+              <a:buChar char="§"/>
+            </a:pPr>
+            <a:r>
+              <a:rPr lang="pt-BR" sz="4000" b="1" kern="0" spc="180" dirty="0">
+                <a:solidFill>
+                  <a:schemeClr val="tx1"/>
+                </a:solidFill>
+                <a:latin typeface="Arial"/>
+                <a:cs typeface="Arial"/>
+              </a:rPr>
+              <a:t>Além disso, exerce controle direto sobre o equipamento e sua estrutura física. Para aplicá-la adequadamente, é necessário que o programador conheça muito bem o hardware. Essa categoria pode ser subdividido em dois tipos: </a:t>
+            </a:r>
+            <a:endParaRPr lang="pt-BR" sz="4000" b="1" kern="0" spc="180" dirty="0" smtClean="0">
+              <a:solidFill>
+                <a:schemeClr val="tx1"/>
+              </a:solidFill>
+              <a:latin typeface="Arial"/>
+              <a:cs typeface="Arial"/>
+            </a:endParaRPr>
+          </a:p>
+          <a:p>
+            <a:pPr marL="584200" indent="-571500" algn="just">
+              <a:spcBef>
+                <a:spcPts val="95"/>
+              </a:spcBef>
+              <a:buFont typeface="Wingdings" panose="05000000000000000000" pitchFamily="2" charset="2"/>
+              <a:buChar char="§"/>
+            </a:pPr>
+            <a:r>
+              <a:rPr lang="pt-BR" sz="4000" b="1" kern="0" spc="180" dirty="0" smtClean="0">
+                <a:solidFill>
+                  <a:schemeClr val="tx1"/>
+                </a:solidFill>
+                <a:latin typeface="Arial"/>
+                <a:cs typeface="Arial"/>
+              </a:rPr>
+              <a:t>Linguagem </a:t>
+            </a:r>
+            <a:r>
+              <a:rPr lang="pt-BR" sz="4000" b="1" kern="0" spc="180" dirty="0">
+                <a:solidFill>
+                  <a:schemeClr val="tx1"/>
+                </a:solidFill>
+                <a:latin typeface="Arial"/>
+                <a:cs typeface="Arial"/>
+              </a:rPr>
+              <a:t>de máquina e Linguagem </a:t>
+            </a:r>
+            <a:r>
+              <a:rPr lang="pt-BR" sz="4000" b="1" kern="0" spc="180" dirty="0" smtClean="0">
+                <a:solidFill>
+                  <a:schemeClr val="tx1"/>
+                </a:solidFill>
+                <a:latin typeface="Arial"/>
+                <a:cs typeface="Arial"/>
+              </a:rPr>
+              <a:t>Assembly. </a:t>
+            </a:r>
           </a:p>
         </p:txBody>
       </p:sp>
@@ -3878,8 +7047,8 @@
         </p:nvSpPr>
         <p:spPr>
           <a:xfrm>
-            <a:off x="1219301" y="706068"/>
-            <a:ext cx="13715899" cy="943848"/>
+            <a:off x="838200" y="706068"/>
+            <a:ext cx="16687799" cy="751488"/>
           </a:xfrm>
           <a:prstGeom prst="rect">
             <a:avLst/>
@@ -3908,33 +7077,26 @@
               </a:spcBef>
             </a:pPr>
             <a:r>
-              <a:rPr lang="pt-BR" sz="6050" b="1" kern="0" spc="270" dirty="0">
+              <a:rPr lang="pt-BR" sz="4800" b="1" kern="0" spc="270" dirty="0">
                 <a:solidFill>
                   <a:srgbClr val="69EB00"/>
                 </a:solidFill>
                 <a:latin typeface="Arial"/>
                 <a:cs typeface="Arial"/>
               </a:rPr>
-              <a:t>C# </a:t>
-            </a:r>
-            <a:r>
-              <a:rPr lang="pt-BR" sz="6050" b="1" kern="0" spc="270" dirty="0" smtClean="0">
+              <a:t>Linguagem de programação de baixo </a:t>
+            </a:r>
+            <a:r>
+              <a:rPr lang="pt-BR" sz="4800" b="1" kern="0" spc="270" dirty="0" smtClean="0">
                 <a:solidFill>
                   <a:srgbClr val="69EB00"/>
                 </a:solidFill>
                 <a:latin typeface="Arial"/>
                 <a:cs typeface="Arial"/>
               </a:rPr>
-              <a:t>Fundamentals </a:t>
-            </a:r>
-            <a:r>
-              <a:rPr lang="pt-BR" sz="6050" b="1" spc="345" dirty="0" smtClean="0">
-                <a:latin typeface="Arial"/>
-                <a:cs typeface="Arial"/>
-              </a:rPr>
-              <a:t>Início</a:t>
-            </a:r>
-            <a:endParaRPr lang="pt-BR" sz="6050" kern="0" dirty="0">
+              <a:t>nível:</a:t>
+            </a:r>
+            <a:endParaRPr lang="pt-BR" sz="4800" kern="0" dirty="0">
               <a:latin typeface="Arial"/>
               <a:cs typeface="Arial"/>
             </a:endParaRPr>
@@ -4101,6 +7263,159 @@
           <a:lstStyle/>
           <a:p>
             <a:endParaRPr/>
+          </a:p>
+        </p:txBody>
+      </p:sp>
+      <p:sp>
+        <p:nvSpPr>
+          <p:cNvPr id="5" name="object 7"/>
+          <p:cNvSpPr txBox="1">
+            <a:spLocks/>
+          </p:cNvSpPr>
+          <p:nvPr/>
+        </p:nvSpPr>
+        <p:spPr>
+          <a:xfrm>
+            <a:off x="1182725" y="2247900"/>
+            <a:ext cx="15559939" cy="4962256"/>
+          </a:xfrm>
+          <a:prstGeom prst="rect">
+            <a:avLst/>
+          </a:prstGeom>
+        </p:spPr>
+        <p:txBody>
+          <a:bodyPr vert="horz" wrap="square" lIns="0" tIns="12065" rIns="0" bIns="0" rtlCol="0">
+            <a:spAutoFit/>
+          </a:bodyPr>
+          <a:lstStyle>
+            <a:lvl1pPr>
+              <a:defRPr sz="12200" b="0" i="0">
+                <a:solidFill>
+                  <a:schemeClr val="bg1"/>
+                </a:solidFill>
+                <a:latin typeface="Lucida Sans Unicode"/>
+                <a:ea typeface="+mj-ea"/>
+                <a:cs typeface="Lucida Sans Unicode"/>
+              </a:defRPr>
+            </a:lvl1pPr>
+          </a:lstStyle>
+          <a:p>
+            <a:pPr marL="584200" indent="-571500" algn="just">
+              <a:spcBef>
+                <a:spcPts val="95"/>
+              </a:spcBef>
+              <a:buFont typeface="Wingdings" panose="05000000000000000000" pitchFamily="2" charset="2"/>
+              <a:buChar char="§"/>
+            </a:pPr>
+            <a:r>
+              <a:rPr lang="pt-BR" sz="4000" b="1" kern="0" spc="180" dirty="0">
+                <a:solidFill>
+                  <a:srgbClr val="92D050"/>
+                </a:solidFill>
+                <a:latin typeface="Arial"/>
+                <a:cs typeface="Arial"/>
+              </a:rPr>
+              <a:t>Linguagem de </a:t>
+            </a:r>
+            <a:r>
+              <a:rPr lang="pt-BR" sz="4000" b="1" kern="0" spc="180" dirty="0" smtClean="0">
+                <a:solidFill>
+                  <a:srgbClr val="92D050"/>
+                </a:solidFill>
+                <a:latin typeface="Arial"/>
+                <a:cs typeface="Arial"/>
+              </a:rPr>
+              <a:t>máquina:</a:t>
+            </a:r>
+            <a:endParaRPr lang="pt-BR" sz="4000" b="1" kern="0" spc="180" dirty="0">
+              <a:solidFill>
+                <a:srgbClr val="92D050"/>
+              </a:solidFill>
+              <a:latin typeface="Arial"/>
+              <a:cs typeface="Arial"/>
+            </a:endParaRPr>
+          </a:p>
+          <a:p>
+            <a:pPr marL="584200" indent="-571500" algn="just">
+              <a:spcBef>
+                <a:spcPts val="95"/>
+              </a:spcBef>
+              <a:buFont typeface="Wingdings" panose="05000000000000000000" pitchFamily="2" charset="2"/>
+              <a:buChar char="§"/>
+            </a:pPr>
+            <a:r>
+              <a:rPr lang="pt-BR" sz="4000" b="1" kern="0" spc="180" dirty="0">
+                <a:solidFill>
+                  <a:schemeClr val="tx1"/>
+                </a:solidFill>
+                <a:latin typeface="Arial"/>
+                <a:cs typeface="Arial"/>
+              </a:rPr>
+              <a:t>É o mais primitivo dos idiomas e é uma coleção de dígitos ou bits binários (0 e 1) que o computador lê e interpreta e é o único idioma que os computadores entendem</a:t>
+            </a:r>
+            <a:r>
+              <a:rPr lang="pt-BR" sz="4000" b="1" kern="0" spc="180" dirty="0" smtClean="0">
+                <a:solidFill>
+                  <a:schemeClr val="tx1"/>
+                </a:solidFill>
+                <a:latin typeface="Arial"/>
+                <a:cs typeface="Arial"/>
+              </a:rPr>
+              <a:t>. Exemplo</a:t>
+            </a:r>
+            <a:r>
+              <a:rPr lang="pt-BR" sz="4000" b="1" kern="0" spc="180" dirty="0">
+                <a:solidFill>
+                  <a:schemeClr val="tx1"/>
+                </a:solidFill>
+                <a:latin typeface="Arial"/>
+                <a:cs typeface="Arial"/>
+              </a:rPr>
+              <a:t>: 10110000 </a:t>
+            </a:r>
+            <a:r>
+              <a:rPr lang="pt-BR" sz="4000" b="1" kern="0" spc="180" dirty="0" smtClean="0">
+                <a:solidFill>
+                  <a:schemeClr val="tx1"/>
+                </a:solidFill>
+                <a:latin typeface="Arial"/>
+                <a:cs typeface="Arial"/>
+              </a:rPr>
+              <a:t>01100001</a:t>
+            </a:r>
+            <a:endParaRPr lang="pt-BR" sz="4000" b="1" kern="0" spc="180" dirty="0">
+              <a:solidFill>
+                <a:schemeClr val="tx1"/>
+              </a:solidFill>
+              <a:latin typeface="Arial"/>
+              <a:cs typeface="Arial"/>
+            </a:endParaRPr>
+          </a:p>
+          <a:p>
+            <a:pPr marL="584200" indent="-571500" algn="just">
+              <a:spcBef>
+                <a:spcPts val="95"/>
+              </a:spcBef>
+              <a:buFont typeface="Wingdings" panose="05000000000000000000" pitchFamily="2" charset="2"/>
+              <a:buChar char="§"/>
+            </a:pPr>
+            <a:r>
+              <a:rPr lang="pt-BR" sz="4000" b="1" kern="0" spc="180" dirty="0">
+                <a:solidFill>
+                  <a:schemeClr val="tx1"/>
+                </a:solidFill>
+                <a:latin typeface="Arial"/>
+                <a:cs typeface="Arial"/>
+              </a:rPr>
+              <a:t>Não dá para entender muito bem o que ele diz, certo? Portanto, a linguagem Assembly nos permite entender melhor a que se refere esse código.</a:t>
+            </a:r>
+            <a:endParaRPr lang="pt-BR" sz="4000" b="1" kern="0" spc="180" dirty="0" smtClean="0">
+              <a:solidFill>
+                <a:schemeClr val="tx1"/>
+              </a:solidFill>
+              <a:latin typeface="Arial"/>
+              <a:cs typeface="Arial"/>
+            </a:endParaRPr>
           </a:p>
         </p:txBody>
       </p:sp>
@@ -4143,79 +7458,6 @@
       </p:grpSpPr>
       <p:sp>
         <p:nvSpPr>
-          <p:cNvPr id="8" name="object 28"/>
-          <p:cNvSpPr txBox="1">
-            <a:spLocks/>
-          </p:cNvSpPr>
-          <p:nvPr/>
-        </p:nvSpPr>
-        <p:spPr>
-          <a:xfrm>
-            <a:off x="1219301" y="706068"/>
-            <a:ext cx="13715899" cy="943848"/>
-          </a:xfrm>
-          <a:prstGeom prst="rect">
-            <a:avLst/>
-          </a:prstGeom>
-        </p:spPr>
-        <p:txBody>
-          <a:bodyPr vert="horz" wrap="square" lIns="0" tIns="12700" rIns="0" bIns="0" rtlCol="0">
-            <a:spAutoFit/>
-          </a:bodyPr>
-          <a:lstStyle>
-            <a:lvl1pPr>
-              <a:defRPr sz="12200" b="0" i="0">
-                <a:solidFill>
-                  <a:schemeClr val="bg1"/>
-                </a:solidFill>
-                <a:latin typeface="Lucida Sans Unicode"/>
-                <a:ea typeface="+mj-ea"/>
-                <a:cs typeface="Lucida Sans Unicode"/>
-              </a:defRPr>
-            </a:lvl1pPr>
-          </a:lstStyle>
-          <a:p>
-            <a:pPr marL="12700">
-              <a:spcBef>
-                <a:spcPts val="100"/>
-              </a:spcBef>
-            </a:pPr>
-            <a:r>
-              <a:rPr lang="pt-BR" sz="6050" b="1" kern="0" spc="270" dirty="0">
-                <a:solidFill>
-                  <a:srgbClr val="69EB00"/>
-                </a:solidFill>
-                <a:latin typeface="Arial"/>
-                <a:cs typeface="Arial"/>
-              </a:rPr>
-              <a:t>C# </a:t>
-            </a:r>
-            <a:r>
-              <a:rPr lang="pt-BR" sz="6050" b="1" kern="0" spc="270" dirty="0" smtClean="0">
-                <a:solidFill>
-                  <a:srgbClr val="69EB00"/>
-                </a:solidFill>
-                <a:latin typeface="Arial"/>
-                <a:cs typeface="Arial"/>
-              </a:rPr>
-              <a:t>Fundamentals </a:t>
-            </a:r>
-            <a:r>
-              <a:rPr lang="pt-BR" sz="6050" b="1" spc="345" dirty="0" smtClean="0">
-                <a:latin typeface="Arial"/>
-                <a:cs typeface="Arial"/>
-              </a:rPr>
-              <a:t>Início</a:t>
-            </a:r>
-            <a:endParaRPr lang="pt-BR" sz="6050" kern="0" dirty="0">
-              <a:latin typeface="Arial"/>
-              <a:cs typeface="Arial"/>
-            </a:endParaRPr>
-          </a:p>
-        </p:txBody>
-      </p:sp>
-      <p:sp>
-        <p:nvSpPr>
           <p:cNvPr id="9" name="object 5"/>
           <p:cNvSpPr/>
           <p:nvPr/>
@@ -4374,6 +7616,198 @@
           <a:lstStyle/>
           <a:p>
             <a:endParaRPr/>
+          </a:p>
+        </p:txBody>
+      </p:sp>
+      <p:sp>
+        <p:nvSpPr>
+          <p:cNvPr id="5" name="object 7"/>
+          <p:cNvSpPr txBox="1">
+            <a:spLocks/>
+          </p:cNvSpPr>
+          <p:nvPr/>
+        </p:nvSpPr>
+        <p:spPr>
+          <a:xfrm>
+            <a:off x="1204060" y="2247900"/>
+            <a:ext cx="15559939" cy="5577809"/>
+          </a:xfrm>
+          <a:prstGeom prst="rect">
+            <a:avLst/>
+          </a:prstGeom>
+        </p:spPr>
+        <p:txBody>
+          <a:bodyPr vert="horz" wrap="square" lIns="0" tIns="12065" rIns="0" bIns="0" rtlCol="0">
+            <a:spAutoFit/>
+          </a:bodyPr>
+          <a:lstStyle>
+            <a:lvl1pPr>
+              <a:defRPr sz="12200" b="0" i="0">
+                <a:solidFill>
+                  <a:schemeClr val="bg1"/>
+                </a:solidFill>
+                <a:latin typeface="Lucida Sans Unicode"/>
+                <a:ea typeface="+mj-ea"/>
+                <a:cs typeface="Lucida Sans Unicode"/>
+              </a:defRPr>
+            </a:lvl1pPr>
+          </a:lstStyle>
+          <a:p>
+            <a:pPr marL="584200" indent="-571500" algn="just">
+              <a:spcBef>
+                <a:spcPts val="95"/>
+              </a:spcBef>
+              <a:buFont typeface="Wingdings" panose="05000000000000000000" pitchFamily="2" charset="2"/>
+              <a:buChar char="§"/>
+            </a:pPr>
+            <a:r>
+              <a:rPr lang="pt-BR" sz="4000" b="1" kern="0" spc="180" dirty="0">
+                <a:solidFill>
+                  <a:srgbClr val="92D050"/>
+                </a:solidFill>
+                <a:latin typeface="Arial"/>
+                <a:cs typeface="Arial"/>
+              </a:rPr>
+              <a:t>Linguagem Assembly:</a:t>
+            </a:r>
+          </a:p>
+          <a:p>
+            <a:pPr marL="584200" indent="-571500" algn="just">
+              <a:spcBef>
+                <a:spcPts val="95"/>
+              </a:spcBef>
+              <a:buFont typeface="Wingdings" panose="05000000000000000000" pitchFamily="2" charset="2"/>
+              <a:buChar char="§"/>
+            </a:pPr>
+            <a:r>
+              <a:rPr lang="pt-BR" sz="4000" b="1" kern="0" spc="180" dirty="0">
+                <a:solidFill>
+                  <a:schemeClr val="tx1"/>
+                </a:solidFill>
+                <a:latin typeface="Arial"/>
+                <a:cs typeface="Arial"/>
+              </a:rPr>
+              <a:t>A linguagem Assembly é a primeira tentativa de substituir a linguagem de máquina por uma mais próxima da usada por seres humanos</a:t>
+            </a:r>
+            <a:r>
+              <a:rPr lang="pt-BR" sz="4000" b="1" kern="0" spc="180" dirty="0" smtClean="0">
+                <a:solidFill>
+                  <a:schemeClr val="tx1"/>
+                </a:solidFill>
+                <a:latin typeface="Arial"/>
+                <a:cs typeface="Arial"/>
+              </a:rPr>
+              <a:t>.</a:t>
+            </a:r>
+            <a:endParaRPr lang="pt-BR" sz="4000" b="1" kern="0" spc="180" dirty="0">
+              <a:solidFill>
+                <a:schemeClr val="tx1"/>
+              </a:solidFill>
+              <a:latin typeface="Arial"/>
+              <a:cs typeface="Arial"/>
+            </a:endParaRPr>
+          </a:p>
+          <a:p>
+            <a:pPr marL="584200" indent="-571500" algn="just">
+              <a:spcBef>
+                <a:spcPts val="95"/>
+              </a:spcBef>
+              <a:buFont typeface="Wingdings" panose="05000000000000000000" pitchFamily="2" charset="2"/>
+              <a:buChar char="§"/>
+            </a:pPr>
+            <a:r>
+              <a:rPr lang="pt-BR" sz="4000" b="1" kern="0" spc="180" dirty="0">
+                <a:solidFill>
+                  <a:schemeClr val="tx1"/>
+                </a:solidFill>
+                <a:latin typeface="Arial"/>
+                <a:cs typeface="Arial"/>
+              </a:rPr>
+              <a:t>Um programa escrito nessa linguagem é armazenado como texto (como nos programas de alto nível) e consiste em uma série de instruções que correspondem ao fluxo de pedidos executáveis ​​por um microprocessador</a:t>
+            </a:r>
+            <a:r>
+              <a:rPr lang="pt-BR" sz="4000" b="1" kern="0" spc="180" dirty="0" smtClean="0">
+                <a:solidFill>
+                  <a:schemeClr val="tx1"/>
+                </a:solidFill>
+                <a:latin typeface="Arial"/>
+                <a:cs typeface="Arial"/>
+              </a:rPr>
+              <a:t>.</a:t>
+            </a:r>
+            <a:endParaRPr lang="pt-BR" sz="4000" b="1" kern="0" spc="180" dirty="0">
+              <a:solidFill>
+                <a:schemeClr val="tx1"/>
+              </a:solidFill>
+              <a:latin typeface="Arial"/>
+              <a:cs typeface="Arial"/>
+            </a:endParaRPr>
+          </a:p>
+        </p:txBody>
+      </p:sp>
+      <p:sp>
+        <p:nvSpPr>
+          <p:cNvPr id="7" name="object 28"/>
+          <p:cNvSpPr txBox="1">
+            <a:spLocks/>
+          </p:cNvSpPr>
+          <p:nvPr/>
+        </p:nvSpPr>
+        <p:spPr>
+          <a:xfrm>
+            <a:off x="838200" y="706068"/>
+            <a:ext cx="16687799" cy="751488"/>
+          </a:xfrm>
+          <a:prstGeom prst="rect">
+            <a:avLst/>
+          </a:prstGeom>
+        </p:spPr>
+        <p:txBody>
+          <a:bodyPr vert="horz" wrap="square" lIns="0" tIns="12700" rIns="0" bIns="0" rtlCol="0">
+            <a:spAutoFit/>
+          </a:bodyPr>
+          <a:lstStyle>
+            <a:lvl1pPr>
+              <a:defRPr sz="12200" b="0" i="0">
+                <a:solidFill>
+                  <a:schemeClr val="bg1"/>
+                </a:solidFill>
+                <a:latin typeface="Lucida Sans Unicode"/>
+                <a:ea typeface="+mj-ea"/>
+                <a:cs typeface="Lucida Sans Unicode"/>
+              </a:defRPr>
+            </a:lvl1pPr>
+          </a:lstStyle>
+          <a:p>
+            <a:pPr marL="12700">
+              <a:spcBef>
+                <a:spcPts val="100"/>
+              </a:spcBef>
+            </a:pPr>
+            <a:r>
+              <a:rPr lang="pt-BR" sz="4800" b="1" kern="0" spc="270" dirty="0">
+                <a:solidFill>
+                  <a:srgbClr val="69EB00"/>
+                </a:solidFill>
+                <a:latin typeface="Arial"/>
+                <a:cs typeface="Arial"/>
+              </a:rPr>
+              <a:t>Linguagem de programação de baixo </a:t>
+            </a:r>
+            <a:r>
+              <a:rPr lang="pt-BR" sz="4800" b="1" kern="0" spc="270" dirty="0" smtClean="0">
+                <a:solidFill>
+                  <a:srgbClr val="69EB00"/>
+                </a:solidFill>
+                <a:latin typeface="Arial"/>
+                <a:cs typeface="Arial"/>
+              </a:rPr>
+              <a:t>nível:</a:t>
+            </a:r>
+            <a:endParaRPr lang="pt-BR" sz="4800" kern="0" dirty="0">
+              <a:latin typeface="Arial"/>
+              <a:cs typeface="Arial"/>
+            </a:endParaRPr>
           </a:p>
         </p:txBody>
       </p:sp>
@@ -4416,79 +7850,6 @@
       </p:grpSpPr>
       <p:sp>
         <p:nvSpPr>
-          <p:cNvPr id="9" name="object 28"/>
-          <p:cNvSpPr txBox="1">
-            <a:spLocks/>
-          </p:cNvSpPr>
-          <p:nvPr/>
-        </p:nvSpPr>
-        <p:spPr>
-          <a:xfrm>
-            <a:off x="1219301" y="706068"/>
-            <a:ext cx="13715899" cy="943848"/>
-          </a:xfrm>
-          <a:prstGeom prst="rect">
-            <a:avLst/>
-          </a:prstGeom>
-        </p:spPr>
-        <p:txBody>
-          <a:bodyPr vert="horz" wrap="square" lIns="0" tIns="12700" rIns="0" bIns="0" rtlCol="0">
-            <a:spAutoFit/>
-          </a:bodyPr>
-          <a:lstStyle>
-            <a:lvl1pPr>
-              <a:defRPr sz="12200" b="0" i="0">
-                <a:solidFill>
-                  <a:schemeClr val="bg1"/>
-                </a:solidFill>
-                <a:latin typeface="Lucida Sans Unicode"/>
-                <a:ea typeface="+mj-ea"/>
-                <a:cs typeface="Lucida Sans Unicode"/>
-              </a:defRPr>
-            </a:lvl1pPr>
-          </a:lstStyle>
-          <a:p>
-            <a:pPr marL="12700">
-              <a:spcBef>
-                <a:spcPts val="100"/>
-              </a:spcBef>
-            </a:pPr>
-            <a:r>
-              <a:rPr lang="pt-BR" sz="6050" b="1" kern="0" spc="270" dirty="0">
-                <a:solidFill>
-                  <a:srgbClr val="69EB00"/>
-                </a:solidFill>
-                <a:latin typeface="Arial"/>
-                <a:cs typeface="Arial"/>
-              </a:rPr>
-              <a:t>C# </a:t>
-            </a:r>
-            <a:r>
-              <a:rPr lang="pt-BR" sz="6050" b="1" kern="0" spc="270" dirty="0" smtClean="0">
-                <a:solidFill>
-                  <a:srgbClr val="69EB00"/>
-                </a:solidFill>
-                <a:latin typeface="Arial"/>
-                <a:cs typeface="Arial"/>
-              </a:rPr>
-              <a:t>Fundamentals </a:t>
-            </a:r>
-            <a:r>
-              <a:rPr lang="pt-BR" sz="6050" b="1" spc="345" dirty="0" smtClean="0">
-                <a:latin typeface="Arial"/>
-                <a:cs typeface="Arial"/>
-              </a:rPr>
-              <a:t>Início</a:t>
-            </a:r>
-            <a:endParaRPr lang="pt-BR" sz="6050" kern="0" dirty="0">
-              <a:latin typeface="Arial"/>
-              <a:cs typeface="Arial"/>
-            </a:endParaRPr>
-          </a:p>
-        </p:txBody>
-      </p:sp>
-      <p:sp>
-        <p:nvSpPr>
           <p:cNvPr id="10" name="object 5"/>
           <p:cNvSpPr/>
           <p:nvPr/>
@@ -4647,6 +8008,198 @@
           <a:lstStyle/>
           <a:p>
             <a:endParaRPr/>
+          </a:p>
+        </p:txBody>
+      </p:sp>
+      <p:sp>
+        <p:nvSpPr>
+          <p:cNvPr id="5" name="object 7"/>
+          <p:cNvSpPr txBox="1">
+            <a:spLocks/>
+          </p:cNvSpPr>
+          <p:nvPr/>
+        </p:nvSpPr>
+        <p:spPr>
+          <a:xfrm>
+            <a:off x="1204060" y="2247900"/>
+            <a:ext cx="15559939" cy="5023811"/>
+          </a:xfrm>
+          <a:prstGeom prst="rect">
+            <a:avLst/>
+          </a:prstGeom>
+        </p:spPr>
+        <p:txBody>
+          <a:bodyPr vert="horz" wrap="square" lIns="0" tIns="12065" rIns="0" bIns="0" rtlCol="0">
+            <a:spAutoFit/>
+          </a:bodyPr>
+          <a:lstStyle>
+            <a:lvl1pPr>
+              <a:defRPr sz="12200" b="0" i="0">
+                <a:solidFill>
+                  <a:schemeClr val="bg1"/>
+                </a:solidFill>
+                <a:latin typeface="Lucida Sans Unicode"/>
+                <a:ea typeface="+mj-ea"/>
+                <a:cs typeface="Lucida Sans Unicode"/>
+              </a:defRPr>
+            </a:lvl1pPr>
+          </a:lstStyle>
+          <a:p>
+            <a:pPr marL="584200" indent="-571500" algn="just">
+              <a:spcBef>
+                <a:spcPts val="95"/>
+              </a:spcBef>
+              <a:buFont typeface="Wingdings" panose="05000000000000000000" pitchFamily="2" charset="2"/>
+              <a:buChar char="§"/>
+            </a:pPr>
+            <a:r>
+              <a:rPr lang="pt-BR" sz="4000" b="1" spc="180" dirty="0">
+                <a:solidFill>
+                  <a:srgbClr val="92D050"/>
+                </a:solidFill>
+                <a:latin typeface="Arial"/>
+                <a:cs typeface="Arial"/>
+              </a:rPr>
+              <a:t>Linguagem Assembly:</a:t>
+            </a:r>
+            <a:endParaRPr lang="pt-BR" sz="4000" b="1" kern="0" spc="180" dirty="0" smtClean="0">
+              <a:solidFill>
+                <a:schemeClr val="tx1"/>
+              </a:solidFill>
+              <a:latin typeface="Arial"/>
+              <a:cs typeface="Arial"/>
+            </a:endParaRPr>
+          </a:p>
+          <a:p>
+            <a:pPr marL="584200" indent="-571500" algn="just">
+              <a:spcBef>
+                <a:spcPts val="95"/>
+              </a:spcBef>
+              <a:buFont typeface="Wingdings" panose="05000000000000000000" pitchFamily="2" charset="2"/>
+              <a:buChar char="§"/>
+            </a:pPr>
+            <a:r>
+              <a:rPr lang="pt-BR" sz="4000" b="1" kern="0" spc="180" dirty="0" smtClean="0">
+                <a:solidFill>
+                  <a:schemeClr val="tx1"/>
+                </a:solidFill>
+                <a:latin typeface="Arial"/>
+                <a:cs typeface="Arial"/>
+              </a:rPr>
+              <a:t>No </a:t>
+            </a:r>
+            <a:r>
+              <a:rPr lang="pt-BR" sz="4000" b="1" kern="0" spc="180" dirty="0">
+                <a:solidFill>
+                  <a:schemeClr val="tx1"/>
+                </a:solidFill>
+                <a:latin typeface="Arial"/>
+                <a:cs typeface="Arial"/>
+              </a:rPr>
+              <a:t>entanto, essas máquinas não entendem a linguagem Assembly. Portanto, devem ser convertidas em linguagem de máquina por meio de um programa chamado Assembler</a:t>
+            </a:r>
+            <a:r>
+              <a:rPr lang="pt-BR" sz="4000" b="1" kern="0" spc="180" dirty="0" smtClean="0">
+                <a:solidFill>
+                  <a:schemeClr val="tx1"/>
+                </a:solidFill>
+                <a:latin typeface="Arial"/>
+                <a:cs typeface="Arial"/>
+              </a:rPr>
+              <a:t>.</a:t>
+            </a:r>
+            <a:endParaRPr lang="pt-BR" sz="4000" b="1" kern="0" spc="180" dirty="0">
+              <a:solidFill>
+                <a:schemeClr val="tx1"/>
+              </a:solidFill>
+              <a:latin typeface="Arial"/>
+              <a:cs typeface="Arial"/>
+            </a:endParaRPr>
+          </a:p>
+          <a:p>
+            <a:pPr marL="584200" indent="-571500" algn="just">
+              <a:spcBef>
+                <a:spcPts val="95"/>
+              </a:spcBef>
+              <a:buFont typeface="Wingdings" panose="05000000000000000000" pitchFamily="2" charset="2"/>
+              <a:buChar char="§"/>
+            </a:pPr>
+            <a:r>
+              <a:rPr lang="pt-BR" sz="4000" b="1" kern="0" spc="180" dirty="0">
+                <a:solidFill>
+                  <a:schemeClr val="tx1"/>
+                </a:solidFill>
+                <a:latin typeface="Arial"/>
+                <a:cs typeface="Arial"/>
+              </a:rPr>
+              <a:t>Ele gera códigos compactos, rápidos e eficientes criados pelo programador que tem controle total da máquina.</a:t>
+            </a:r>
+          </a:p>
+        </p:txBody>
+      </p:sp>
+      <p:sp>
+        <p:nvSpPr>
+          <p:cNvPr id="6" name="object 28"/>
+          <p:cNvSpPr txBox="1">
+            <a:spLocks/>
+          </p:cNvSpPr>
+          <p:nvPr/>
+        </p:nvSpPr>
+        <p:spPr>
+          <a:xfrm>
+            <a:off x="838200" y="706068"/>
+            <a:ext cx="16687799" cy="751488"/>
+          </a:xfrm>
+          <a:prstGeom prst="rect">
+            <a:avLst/>
+          </a:prstGeom>
+        </p:spPr>
+        <p:txBody>
+          <a:bodyPr vert="horz" wrap="square" lIns="0" tIns="12700" rIns="0" bIns="0" rtlCol="0">
+            <a:spAutoFit/>
+          </a:bodyPr>
+          <a:lstStyle>
+            <a:lvl1pPr>
+              <a:defRPr sz="12200" b="0" i="0">
+                <a:solidFill>
+                  <a:schemeClr val="bg1"/>
+                </a:solidFill>
+                <a:latin typeface="Lucida Sans Unicode"/>
+                <a:ea typeface="+mj-ea"/>
+                <a:cs typeface="Lucida Sans Unicode"/>
+              </a:defRPr>
+            </a:lvl1pPr>
+          </a:lstStyle>
+          <a:p>
+            <a:pPr marL="12700">
+              <a:spcBef>
+                <a:spcPts val="100"/>
+              </a:spcBef>
+            </a:pPr>
+            <a:r>
+              <a:rPr lang="pt-BR" sz="4800" b="1" kern="0" spc="270" dirty="0">
+                <a:solidFill>
+                  <a:srgbClr val="69EB00"/>
+                </a:solidFill>
+                <a:latin typeface="Arial"/>
+                <a:cs typeface="Arial"/>
+              </a:rPr>
+              <a:t>Linguagem de programação de baixo </a:t>
+            </a:r>
+            <a:r>
+              <a:rPr lang="pt-BR" sz="4800" b="1" kern="0" spc="270" dirty="0" smtClean="0">
+                <a:solidFill>
+                  <a:srgbClr val="69EB00"/>
+                </a:solidFill>
+                <a:latin typeface="Arial"/>
+                <a:cs typeface="Arial"/>
+              </a:rPr>
+              <a:t>nível:</a:t>
+            </a:r>
+            <a:endParaRPr lang="pt-BR" sz="4800" kern="0" dirty="0">
+              <a:latin typeface="Arial"/>
+              <a:cs typeface="Arial"/>
+            </a:endParaRPr>
           </a:p>
         </p:txBody>
       </p:sp>
